--- a/docs/presentation.pptx
+++ b/docs/presentation.pptx
@@ -5,7 +5,7 @@
     <p:sldMasterId id="2147483660" r:id="rId1"/>
   </p:sldMasterIdLst>
   <p:notesMasterIdLst>
-    <p:notesMasterId r:id="rId12"/>
+    <p:notesMasterId r:id="rId15"/>
   </p:notesMasterIdLst>
   <p:sldIdLst>
     <p:sldId id="256" r:id="rId2"/>
@@ -13,11 +13,14 @@
     <p:sldId id="270" r:id="rId4"/>
     <p:sldId id="273" r:id="rId5"/>
     <p:sldId id="271" r:id="rId6"/>
-    <p:sldId id="272" r:id="rId7"/>
-    <p:sldId id="274" r:id="rId8"/>
-    <p:sldId id="275" r:id="rId9"/>
-    <p:sldId id="277" r:id="rId10"/>
-    <p:sldId id="268" r:id="rId11"/>
+    <p:sldId id="278" r:id="rId7"/>
+    <p:sldId id="279" r:id="rId8"/>
+    <p:sldId id="280" r:id="rId9"/>
+    <p:sldId id="281" r:id="rId10"/>
+    <p:sldId id="274" r:id="rId11"/>
+    <p:sldId id="275" r:id="rId12"/>
+    <p:sldId id="277" r:id="rId13"/>
+    <p:sldId id="268" r:id="rId14"/>
   </p:sldIdLst>
   <p:sldSz cx="12192000" cy="6858000"/>
   <p:notesSz cx="6858000" cy="9144000"/>
@@ -1526,14 +1529,12 @@
         <a:blipFill>
           <a:blip xmlns:r="http://schemas.openxmlformats.org/officeDocument/2006/relationships" r:embed="rId7">
             <a:extLst>
-              <a:ext uri="{28A0092B-C50C-407E-A947-70E740481C1C}">
-                <a14:useLocalDpi xmlns:a14="http://schemas.microsoft.com/office/drawing/2010/main" val="0"/>
-              </a:ext>
               <a:ext uri="{96DAC541-7B7A-43D3-8B79-37D633B846F1}">
                 <asvg:svgBlip xmlns:asvg="http://schemas.microsoft.com/office/drawing/2016/SVG/main" r:embed="rId8"/>
               </a:ext>
             </a:extLst>
           </a:blip>
+          <a:srcRect/>
           <a:stretch>
             <a:fillRect/>
           </a:stretch>
@@ -1544,7 +1545,7 @@
       </dgm:spPr>
       <dgm:extLst>
         <a:ext uri="{E40237B7-FDA0-4F09-8148-C483321AD2D9}">
-          <dgm14:cNvPr xmlns:dgm14="http://schemas.microsoft.com/office/drawing/2010/diagram" id="0" name="" descr="Smart Phone"/>
+          <dgm14:cNvPr xmlns:dgm14="http://schemas.microsoft.com/office/drawing/2010/diagram" id="0" name="" descr="Network diagram with solid fill"/>
         </a:ext>
       </dgm:extLst>
     </dgm:pt>
@@ -1579,14 +1580,12 @@
         <a:blipFill>
           <a:blip xmlns:r="http://schemas.openxmlformats.org/officeDocument/2006/relationships" r:embed="rId9">
             <a:extLst>
-              <a:ext uri="{28A0092B-C50C-407E-A947-70E740481C1C}">
-                <a14:useLocalDpi xmlns:a14="http://schemas.microsoft.com/office/drawing/2010/main" val="0"/>
-              </a:ext>
               <a:ext uri="{96DAC541-7B7A-43D3-8B79-37D633B846F1}">
                 <asvg:svgBlip xmlns:asvg="http://schemas.microsoft.com/office/drawing/2016/SVG/main" r:embed="rId10"/>
               </a:ext>
             </a:extLst>
           </a:blip>
+          <a:srcRect/>
           <a:stretch>
             <a:fillRect/>
           </a:stretch>
@@ -1597,7 +1596,7 @@
       </dgm:spPr>
       <dgm:extLst>
         <a:ext uri="{E40237B7-FDA0-4F09-8148-C483321AD2D9}">
-          <dgm14:cNvPr xmlns:dgm14="http://schemas.microsoft.com/office/drawing/2010/diagram" id="0" name="" descr="Gears"/>
+          <dgm14:cNvPr xmlns:dgm14="http://schemas.microsoft.com/office/drawing/2010/diagram" id="0" name="" descr="Network with solid fill"/>
         </a:ext>
       </dgm:extLst>
     </dgm:pt>
@@ -1783,7 +1782,7 @@
   <dgm:whole/>
   <dgm:extLst>
     <a:ext uri="http://schemas.microsoft.com/office/drawing/2008/diagram">
-      <dsp:dataModelExt xmlns:dsp="http://schemas.microsoft.com/office/drawing/2008/diagram" relId="rId6" minVer="http://schemas.openxmlformats.org/drawingml/2006/diagram"/>
+      <dsp:dataModelExt xmlns:dsp="http://schemas.microsoft.com/office/drawing/2008/diagram" relId="rId7" minVer="http://schemas.openxmlformats.org/drawingml/2006/diagram"/>
     </a:ext>
   </dgm:extLst>
 </dgm:dataModel>
@@ -2318,14 +2317,12 @@
         <a:blipFill>
           <a:blip xmlns:r="http://schemas.openxmlformats.org/officeDocument/2006/relationships" r:embed="rId7">
             <a:extLst>
-              <a:ext uri="{28A0092B-C50C-407E-A947-70E740481C1C}">
-                <a14:useLocalDpi xmlns:a14="http://schemas.microsoft.com/office/drawing/2010/main" val="0"/>
-              </a:ext>
               <a:ext uri="{96DAC541-7B7A-43D3-8B79-37D633B846F1}">
                 <asvg:svgBlip xmlns:asvg="http://schemas.microsoft.com/office/drawing/2016/SVG/main" r:embed="rId8"/>
               </a:ext>
             </a:extLst>
           </a:blip>
+          <a:srcRect/>
           <a:stretch>
             <a:fillRect/>
           </a:stretch>
@@ -2470,14 +2467,12 @@
         <a:blipFill>
           <a:blip xmlns:r="http://schemas.openxmlformats.org/officeDocument/2006/relationships" r:embed="rId9">
             <a:extLst>
-              <a:ext uri="{28A0092B-C50C-407E-A947-70E740481C1C}">
-                <a14:useLocalDpi xmlns:a14="http://schemas.microsoft.com/office/drawing/2010/main" val="0"/>
-              </a:ext>
               <a:ext uri="{96DAC541-7B7A-43D3-8B79-37D633B846F1}">
                 <asvg:svgBlip xmlns:asvg="http://schemas.microsoft.com/office/drawing/2016/SVG/main" r:embed="rId10"/>
               </a:ext>
             </a:extLst>
           </a:blip>
+          <a:srcRect/>
           <a:stretch>
             <a:fillRect/>
           </a:stretch>
@@ -4594,110 +4589,7 @@
           <a:bodyPr/>
           <a:lstStyle/>
           <a:p>
-            <a:r>
-              <a:rPr lang="he-IL" dirty="0" err="1"/>
-              <a:t>In</a:t>
-            </a:r>
-            <a:r>
-              <a:rPr lang="he-IL" dirty="0"/>
-              <a:t> </a:t>
-            </a:r>
-            <a:r>
-              <a:rPr lang="he-IL" dirty="0" err="1"/>
-              <a:t>this</a:t>
-            </a:r>
-            <a:r>
-              <a:rPr lang="he-IL" dirty="0"/>
-              <a:t> </a:t>
-            </a:r>
-            <a:r>
-              <a:rPr lang="he-IL" dirty="0" err="1"/>
-              <a:t>presentation</a:t>
-            </a:r>
-            <a:r>
-              <a:rPr lang="he-IL" dirty="0"/>
-              <a:t>, </a:t>
-            </a:r>
-            <a:r>
-              <a:rPr lang="he-IL" dirty="0" err="1"/>
-              <a:t>we</a:t>
-            </a:r>
-            <a:r>
-              <a:rPr lang="he-IL" dirty="0"/>
-              <a:t> </a:t>
-            </a:r>
-            <a:r>
-              <a:rPr lang="he-IL" dirty="0" err="1"/>
-              <a:t>will</a:t>
-            </a:r>
-            <a:r>
-              <a:rPr lang="he-IL" dirty="0"/>
-              <a:t> </a:t>
-            </a:r>
-            <a:r>
-              <a:rPr lang="he-IL" dirty="0" err="1"/>
-              <a:t>explore</a:t>
-            </a:r>
-            <a:r>
-              <a:rPr lang="he-IL" dirty="0"/>
-              <a:t> </a:t>
-            </a:r>
-            <a:r>
-              <a:rPr lang="he-IL" dirty="0" err="1"/>
-              <a:t>the</a:t>
-            </a:r>
-            <a:r>
-              <a:rPr lang="he-IL" dirty="0"/>
-              <a:t> </a:t>
-            </a:r>
-            <a:r>
-              <a:rPr lang="he-IL" dirty="0" err="1"/>
-              <a:t>history</a:t>
-            </a:r>
-            <a:r>
-              <a:rPr lang="he-IL" dirty="0"/>
-              <a:t>, </a:t>
-            </a:r>
-            <a:r>
-              <a:rPr lang="he-IL" dirty="0" err="1"/>
-              <a:t>types</a:t>
-            </a:r>
-            <a:r>
-              <a:rPr lang="he-IL" dirty="0"/>
-              <a:t> </a:t>
-            </a:r>
-            <a:r>
-              <a:rPr lang="he-IL" dirty="0" err="1"/>
-              <a:t>and</a:t>
-            </a:r>
-            <a:r>
-              <a:rPr lang="he-IL" dirty="0"/>
-              <a:t> </a:t>
-            </a:r>
-            <a:r>
-              <a:rPr lang="he-IL" dirty="0" err="1"/>
-              <a:t>technologies</a:t>
-            </a:r>
-            <a:r>
-              <a:rPr lang="he-IL" dirty="0"/>
-              <a:t> </a:t>
-            </a:r>
-            <a:r>
-              <a:rPr lang="he-IL" dirty="0" err="1"/>
-              <a:t>of</a:t>
-            </a:r>
-            <a:r>
-              <a:rPr lang="he-IL" dirty="0"/>
-              <a:t> 911 </a:t>
-            </a:r>
-            <a:r>
-              <a:rPr lang="he-IL" dirty="0" err="1"/>
-              <a:t>calls</a:t>
-            </a:r>
-            <a:r>
-              <a:rPr lang="he-IL" dirty="0"/>
-              <a:t>.</a:t>
-            </a:r>
+            <a:endParaRPr lang="he-IL" dirty="0"/>
           </a:p>
         </p:txBody>
       </p:sp>
@@ -4728,6 +4620,174 @@
     <p:extLst>
       <p:ext uri="{BB962C8B-B14F-4D97-AF65-F5344CB8AC3E}">
         <p14:creationId xmlns:p14="http://schemas.microsoft.com/office/powerpoint/2010/main" val="994635326"/>
+      </p:ext>
+    </p:extLst>
+  </p:cSld>
+  <p:clrMapOvr>
+    <a:masterClrMapping/>
+  </p:clrMapOvr>
+</p:notes>
+</file>
+
+<file path=ppt/notesSlides/notesSlide10.xml><?xml version="1.0" encoding="utf-8"?>
+<p:notes xmlns:a="http://schemas.openxmlformats.org/drawingml/2006/main" xmlns:r="http://schemas.openxmlformats.org/officeDocument/2006/relationships" xmlns:p="http://schemas.openxmlformats.org/presentationml/2006/main">
+  <p:cSld>
+    <p:spTree>
+      <p:nvGrpSpPr>
+        <p:cNvPr id="1" name=""/>
+        <p:cNvGrpSpPr/>
+        <p:nvPr/>
+      </p:nvGrpSpPr>
+      <p:grpSpPr>
+        <a:xfrm>
+          <a:off x="0" y="0"/>
+          <a:ext cx="0" cy="0"/>
+          <a:chOff x="0" y="0"/>
+          <a:chExt cx="0" cy="0"/>
+        </a:xfrm>
+      </p:grpSpPr>
+      <p:sp>
+        <p:nvSpPr>
+          <p:cNvPr id="2" name="Slide Image Placeholder 1"/>
+          <p:cNvSpPr>
+            <a:spLocks noGrp="1" noRot="1" noChangeAspect="1"/>
+          </p:cNvSpPr>
+          <p:nvPr>
+            <p:ph type="sldImg"/>
+          </p:nvPr>
+        </p:nvSpPr>
+        <p:spPr/>
+      </p:sp>
+      <p:sp>
+        <p:nvSpPr>
+          <p:cNvPr id="3" name="Notes Placeholder 2"/>
+          <p:cNvSpPr>
+            <a:spLocks noGrp="1"/>
+          </p:cNvSpPr>
+          <p:nvPr>
+            <p:ph type="body" idx="1"/>
+          </p:nvPr>
+        </p:nvSpPr>
+        <p:spPr/>
+        <p:txBody>
+          <a:bodyPr/>
+          <a:lstStyle/>
+          <a:p>
+            <a:endParaRPr lang="he-IL" dirty="0"/>
+          </a:p>
+        </p:txBody>
+      </p:sp>
+      <p:sp>
+        <p:nvSpPr>
+          <p:cNvPr id="4" name="Slide Number Placeholder 3"/>
+          <p:cNvSpPr>
+            <a:spLocks noGrp="1"/>
+          </p:cNvSpPr>
+          <p:nvPr>
+            <p:ph type="sldNum" sz="quarter" idx="5"/>
+          </p:nvPr>
+        </p:nvSpPr>
+        <p:spPr/>
+        <p:txBody>
+          <a:bodyPr/>
+          <a:lstStyle/>
+          <a:p>
+            <a:fld id="{AD20A3CA-3366-47BC-B45C-3BF3C8868E96}" type="slidenum">
+              <a:rPr lang="he-IL" smtClean="0"/>
+              <a:t>12</a:t>
+            </a:fld>
+            <a:endParaRPr lang="he-IL"/>
+          </a:p>
+        </p:txBody>
+      </p:sp>
+    </p:spTree>
+    <p:extLst>
+      <p:ext uri="{BB962C8B-B14F-4D97-AF65-F5344CB8AC3E}">
+        <p14:creationId xmlns:p14="http://schemas.microsoft.com/office/powerpoint/2010/main" val="3196794913"/>
+      </p:ext>
+    </p:extLst>
+  </p:cSld>
+  <p:clrMapOvr>
+    <a:masterClrMapping/>
+  </p:clrMapOvr>
+</p:notes>
+</file>
+
+<file path=ppt/notesSlides/notesSlide11.xml><?xml version="1.0" encoding="utf-8"?>
+<p:notes xmlns:a="http://schemas.openxmlformats.org/drawingml/2006/main" xmlns:r="http://schemas.openxmlformats.org/officeDocument/2006/relationships" xmlns:p="http://schemas.openxmlformats.org/presentationml/2006/main">
+  <p:cSld>
+    <p:spTree>
+      <p:nvGrpSpPr>
+        <p:cNvPr id="1" name=""/>
+        <p:cNvGrpSpPr/>
+        <p:nvPr/>
+      </p:nvGrpSpPr>
+      <p:grpSpPr>
+        <a:xfrm>
+          <a:off x="0" y="0"/>
+          <a:ext cx="0" cy="0"/>
+          <a:chOff x="0" y="0"/>
+          <a:chExt cx="0" cy="0"/>
+        </a:xfrm>
+      </p:grpSpPr>
+      <p:sp>
+        <p:nvSpPr>
+          <p:cNvPr id="2" name="Slide Image Placeholder 1"/>
+          <p:cNvSpPr>
+            <a:spLocks noGrp="1" noRot="1" noChangeAspect="1"/>
+          </p:cNvSpPr>
+          <p:nvPr>
+            <p:ph type="sldImg"/>
+          </p:nvPr>
+        </p:nvSpPr>
+        <p:spPr/>
+      </p:sp>
+      <p:sp>
+        <p:nvSpPr>
+          <p:cNvPr id="3" name="Notes Placeholder 2"/>
+          <p:cNvSpPr>
+            <a:spLocks noGrp="1"/>
+          </p:cNvSpPr>
+          <p:nvPr>
+            <p:ph type="body" idx="1"/>
+          </p:nvPr>
+        </p:nvSpPr>
+        <p:spPr/>
+        <p:txBody>
+          <a:bodyPr/>
+          <a:lstStyle/>
+          <a:p>
+            <a:endParaRPr lang="he-IL" dirty="0"/>
+          </a:p>
+        </p:txBody>
+      </p:sp>
+      <p:sp>
+        <p:nvSpPr>
+          <p:cNvPr id="4" name="Slide Number Placeholder 3"/>
+          <p:cNvSpPr>
+            <a:spLocks noGrp="1"/>
+          </p:cNvSpPr>
+          <p:nvPr>
+            <p:ph type="sldNum" sz="quarter" idx="5"/>
+          </p:nvPr>
+        </p:nvSpPr>
+        <p:spPr/>
+        <p:txBody>
+          <a:bodyPr/>
+          <a:lstStyle/>
+          <a:p>
+            <a:fld id="{3CE3590D-DD56-4EA3-AA55-1ECBCE5FB5D6}" type="slidenum">
+              <a:rPr lang="he-IL" smtClean="0"/>
+              <a:t>13</a:t>
+            </a:fld>
+            <a:endParaRPr lang="he-IL"/>
+          </a:p>
+        </p:txBody>
+      </p:sp>
+    </p:spTree>
+    <p:extLst>
+      <p:ext uri="{BB962C8B-B14F-4D97-AF65-F5344CB8AC3E}">
+        <p14:creationId xmlns:p14="http://schemas.microsoft.com/office/powerpoint/2010/main" val="1053282968"/>
       </p:ext>
     </p:extLst>
   </p:cSld>
@@ -4781,10 +4841,7 @@
           <a:bodyPr/>
           <a:lstStyle/>
           <a:p>
-            <a:r>
-              <a:rPr lang="he-IL"/>
-              <a:t>The goals of a project define the scope of work and the expected outcomes. Identifying primary and secondary goals is important to ensure that the project aligns with the mission of the organization, while also providing added value. Primary goals are the most important, and they should be the main focus of the project. Secondary goals are less critical, but they still contribute to the overall success of the project. When setting goals, it is important to consider the resources available and the constraints that may affect the project.</a:t>
-            </a:r>
+            <a:endParaRPr lang="en-US" dirty="0"/>
           </a:p>
         </p:txBody>
       </p:sp>
@@ -4805,7 +4862,7 @@
           <a:p>
             <a:fld id="{AD20A3CA-3366-47BC-B45C-3BF3C8868E96}" type="slidenum">
               <a:rPr lang="he-IL" smtClean="0"/>
-              <a:t>3</a:t>
+              <a:t>2</a:t>
             </a:fld>
             <a:endParaRPr lang="he-IL"/>
           </a:p>
@@ -4814,7 +4871,7 @@
     </p:spTree>
     <p:extLst>
       <p:ext uri="{BB962C8B-B14F-4D97-AF65-F5344CB8AC3E}">
-        <p14:creationId xmlns:p14="http://schemas.microsoft.com/office/powerpoint/2010/main" val="466054982"/>
+        <p14:creationId xmlns:p14="http://schemas.microsoft.com/office/powerpoint/2010/main" val="256817957"/>
       </p:ext>
     </p:extLst>
   </p:cSld>
@@ -4868,10 +4925,7 @@
           <a:bodyPr/>
           <a:lstStyle/>
           <a:p>
-            <a:r>
-              <a:rPr lang="he-IL"/>
-              <a:t>One of the key components of any data project is identifying the right data sources to use. Data sources may include databases, APIs, spreadsheets, and more. It's important to carefully consider the quality, quantity, and viability of each potential data source before deciding which ones to use. This will help ensure that the data project is successful and meets its objectives.</a:t>
-            </a:r>
+            <a:endParaRPr lang="he-IL" dirty="0"/>
           </a:p>
         </p:txBody>
       </p:sp>
@@ -4892,7 +4946,7 @@
           <a:p>
             <a:fld id="{AD20A3CA-3366-47BC-B45C-3BF3C8868E96}" type="slidenum">
               <a:rPr lang="he-IL" smtClean="0"/>
-              <a:t>5</a:t>
+              <a:t>3</a:t>
             </a:fld>
             <a:endParaRPr lang="he-IL"/>
           </a:p>
@@ -4901,7 +4955,7 @@
     </p:spTree>
     <p:extLst>
       <p:ext uri="{BB962C8B-B14F-4D97-AF65-F5344CB8AC3E}">
-        <p14:creationId xmlns:p14="http://schemas.microsoft.com/office/powerpoint/2010/main" val="1941790738"/>
+        <p14:creationId xmlns:p14="http://schemas.microsoft.com/office/powerpoint/2010/main" val="466054982"/>
       </p:ext>
     </p:extLst>
   </p:cSld>
@@ -4955,10 +5009,7 @@
           <a:bodyPr/>
           <a:lstStyle/>
           <a:p>
-            <a:r>
-              <a:rPr lang="he-IL"/>
-              <a:t>One of the key components of any data project is identifying the right data sources to use. Data sources may include databases, APIs, spreadsheets, and more. It's important to carefully consider the quality, quantity, and viability of each potential data source before deciding which ones to use. This will help ensure that the data project is successful and meets its objectives.</a:t>
-            </a:r>
+            <a:endParaRPr lang="he-IL" dirty="0"/>
           </a:p>
         </p:txBody>
       </p:sp>
@@ -4979,7 +5030,7 @@
           <a:p>
             <a:fld id="{AD20A3CA-3366-47BC-B45C-3BF3C8868E96}" type="slidenum">
               <a:rPr lang="he-IL" smtClean="0"/>
-              <a:t>6</a:t>
+              <a:t>5</a:t>
             </a:fld>
             <a:endParaRPr lang="he-IL"/>
           </a:p>
@@ -4988,7 +5039,7 @@
     </p:spTree>
     <p:extLst>
       <p:ext uri="{BB962C8B-B14F-4D97-AF65-F5344CB8AC3E}">
-        <p14:creationId xmlns:p14="http://schemas.microsoft.com/office/powerpoint/2010/main" val="1369622047"/>
+        <p14:creationId xmlns:p14="http://schemas.microsoft.com/office/powerpoint/2010/main" val="1941790738"/>
       </p:ext>
     </p:extLst>
   </p:cSld>
@@ -5042,10 +5093,7 @@
           <a:bodyPr/>
           <a:lstStyle/>
           <a:p>
-            <a:r>
-              <a:rPr lang="he-IL"/>
-              <a:t>This slide should focus on the technical demo that we will be running. It is important to show off the product in action and emphasize its key features. Be sure to clearly explain what the demo is for and what users can expect to see. You might also want to highlight the benefits of the product and why it is worth using.</a:t>
-            </a:r>
+            <a:endParaRPr lang="he-IL" dirty="0"/>
           </a:p>
         </p:txBody>
       </p:sp>
@@ -5066,7 +5114,7 @@
           <a:p>
             <a:fld id="{AD20A3CA-3366-47BC-B45C-3BF3C8868E96}" type="slidenum">
               <a:rPr lang="he-IL" smtClean="0"/>
-              <a:t>9</a:t>
+              <a:t>6</a:t>
             </a:fld>
             <a:endParaRPr lang="he-IL"/>
           </a:p>
@@ -5075,7 +5123,7 @@
     </p:spTree>
     <p:extLst>
       <p:ext uri="{BB962C8B-B14F-4D97-AF65-F5344CB8AC3E}">
-        <p14:creationId xmlns:p14="http://schemas.microsoft.com/office/powerpoint/2010/main" val="3196794913"/>
+        <p14:creationId xmlns:p14="http://schemas.microsoft.com/office/powerpoint/2010/main" val="3785450178"/>
       </p:ext>
     </p:extLst>
   </p:cSld>
@@ -5129,10 +5177,7 @@
           <a:bodyPr/>
           <a:lstStyle/>
           <a:p>
-            <a:r>
-              <a:rPr lang="he-IL"/>
-              <a:t>911 calls are an essential public service that provide lifesaving assistance to millions of people every year. As technology advancements continue to transform the way 911 calls are made and managed, it is important to remember the critical role that 911 calls play in public safety.</a:t>
-            </a:r>
+            <a:endParaRPr lang="he-IL" dirty="0"/>
           </a:p>
         </p:txBody>
       </p:sp>
@@ -5151,9 +5196,9 @@
           <a:bodyPr/>
           <a:lstStyle/>
           <a:p>
-            <a:fld id="{3CE3590D-DD56-4EA3-AA55-1ECBCE5FB5D6}" type="slidenum">
+            <a:fld id="{AD20A3CA-3366-47BC-B45C-3BF3C8868E96}" type="slidenum">
               <a:rPr lang="he-IL" smtClean="0"/>
-              <a:t>10</a:t>
+              <a:t>7</a:t>
             </a:fld>
             <a:endParaRPr lang="he-IL"/>
           </a:p>
@@ -5162,7 +5207,259 @@
     </p:spTree>
     <p:extLst>
       <p:ext uri="{BB962C8B-B14F-4D97-AF65-F5344CB8AC3E}">
-        <p14:creationId xmlns:p14="http://schemas.microsoft.com/office/powerpoint/2010/main" val="1053282968"/>
+        <p14:creationId xmlns:p14="http://schemas.microsoft.com/office/powerpoint/2010/main" val="4065541901"/>
+      </p:ext>
+    </p:extLst>
+  </p:cSld>
+  <p:clrMapOvr>
+    <a:masterClrMapping/>
+  </p:clrMapOvr>
+</p:notes>
+</file>
+
+<file path=ppt/notesSlides/notesSlide7.xml><?xml version="1.0" encoding="utf-8"?>
+<p:notes xmlns:a="http://schemas.openxmlformats.org/drawingml/2006/main" xmlns:r="http://schemas.openxmlformats.org/officeDocument/2006/relationships" xmlns:p="http://schemas.openxmlformats.org/presentationml/2006/main">
+  <p:cSld>
+    <p:spTree>
+      <p:nvGrpSpPr>
+        <p:cNvPr id="1" name=""/>
+        <p:cNvGrpSpPr/>
+        <p:nvPr/>
+      </p:nvGrpSpPr>
+      <p:grpSpPr>
+        <a:xfrm>
+          <a:off x="0" y="0"/>
+          <a:ext cx="0" cy="0"/>
+          <a:chOff x="0" y="0"/>
+          <a:chExt cx="0" cy="0"/>
+        </a:xfrm>
+      </p:grpSpPr>
+      <p:sp>
+        <p:nvSpPr>
+          <p:cNvPr id="2" name="Slide Image Placeholder 1"/>
+          <p:cNvSpPr>
+            <a:spLocks noGrp="1" noRot="1" noChangeAspect="1"/>
+          </p:cNvSpPr>
+          <p:nvPr>
+            <p:ph type="sldImg"/>
+          </p:nvPr>
+        </p:nvSpPr>
+        <p:spPr/>
+      </p:sp>
+      <p:sp>
+        <p:nvSpPr>
+          <p:cNvPr id="3" name="Notes Placeholder 2"/>
+          <p:cNvSpPr>
+            <a:spLocks noGrp="1"/>
+          </p:cNvSpPr>
+          <p:nvPr>
+            <p:ph type="body" idx="1"/>
+          </p:nvPr>
+        </p:nvSpPr>
+        <p:spPr/>
+        <p:txBody>
+          <a:bodyPr/>
+          <a:lstStyle/>
+          <a:p>
+            <a:endParaRPr lang="he-IL" dirty="0"/>
+          </a:p>
+        </p:txBody>
+      </p:sp>
+      <p:sp>
+        <p:nvSpPr>
+          <p:cNvPr id="4" name="Slide Number Placeholder 3"/>
+          <p:cNvSpPr>
+            <a:spLocks noGrp="1"/>
+          </p:cNvSpPr>
+          <p:nvPr>
+            <p:ph type="sldNum" sz="quarter" idx="5"/>
+          </p:nvPr>
+        </p:nvSpPr>
+        <p:spPr/>
+        <p:txBody>
+          <a:bodyPr/>
+          <a:lstStyle/>
+          <a:p>
+            <a:fld id="{AD20A3CA-3366-47BC-B45C-3BF3C8868E96}" type="slidenum">
+              <a:rPr lang="he-IL" smtClean="0"/>
+              <a:t>8</a:t>
+            </a:fld>
+            <a:endParaRPr lang="he-IL"/>
+          </a:p>
+        </p:txBody>
+      </p:sp>
+    </p:spTree>
+    <p:extLst>
+      <p:ext uri="{BB962C8B-B14F-4D97-AF65-F5344CB8AC3E}">
+        <p14:creationId xmlns:p14="http://schemas.microsoft.com/office/powerpoint/2010/main" val="2069351075"/>
+      </p:ext>
+    </p:extLst>
+  </p:cSld>
+  <p:clrMapOvr>
+    <a:masterClrMapping/>
+  </p:clrMapOvr>
+</p:notes>
+</file>
+
+<file path=ppt/notesSlides/notesSlide8.xml><?xml version="1.0" encoding="utf-8"?>
+<p:notes xmlns:a="http://schemas.openxmlformats.org/drawingml/2006/main" xmlns:r="http://schemas.openxmlformats.org/officeDocument/2006/relationships" xmlns:p="http://schemas.openxmlformats.org/presentationml/2006/main">
+  <p:cSld>
+    <p:spTree>
+      <p:nvGrpSpPr>
+        <p:cNvPr id="1" name=""/>
+        <p:cNvGrpSpPr/>
+        <p:nvPr/>
+      </p:nvGrpSpPr>
+      <p:grpSpPr>
+        <a:xfrm>
+          <a:off x="0" y="0"/>
+          <a:ext cx="0" cy="0"/>
+          <a:chOff x="0" y="0"/>
+          <a:chExt cx="0" cy="0"/>
+        </a:xfrm>
+      </p:grpSpPr>
+      <p:sp>
+        <p:nvSpPr>
+          <p:cNvPr id="2" name="Slide Image Placeholder 1"/>
+          <p:cNvSpPr>
+            <a:spLocks noGrp="1" noRot="1" noChangeAspect="1"/>
+          </p:cNvSpPr>
+          <p:nvPr>
+            <p:ph type="sldImg"/>
+          </p:nvPr>
+        </p:nvSpPr>
+        <p:spPr/>
+      </p:sp>
+      <p:sp>
+        <p:nvSpPr>
+          <p:cNvPr id="3" name="Notes Placeholder 2"/>
+          <p:cNvSpPr>
+            <a:spLocks noGrp="1"/>
+          </p:cNvSpPr>
+          <p:nvPr>
+            <p:ph type="body" idx="1"/>
+          </p:nvPr>
+        </p:nvSpPr>
+        <p:spPr/>
+        <p:txBody>
+          <a:bodyPr/>
+          <a:lstStyle/>
+          <a:p>
+            <a:endParaRPr lang="he-IL" dirty="0"/>
+          </a:p>
+        </p:txBody>
+      </p:sp>
+      <p:sp>
+        <p:nvSpPr>
+          <p:cNvPr id="4" name="Slide Number Placeholder 3"/>
+          <p:cNvSpPr>
+            <a:spLocks noGrp="1"/>
+          </p:cNvSpPr>
+          <p:nvPr>
+            <p:ph type="sldNum" sz="quarter" idx="5"/>
+          </p:nvPr>
+        </p:nvSpPr>
+        <p:spPr/>
+        <p:txBody>
+          <a:bodyPr/>
+          <a:lstStyle/>
+          <a:p>
+            <a:fld id="{AD20A3CA-3366-47BC-B45C-3BF3C8868E96}" type="slidenum">
+              <a:rPr lang="he-IL" smtClean="0"/>
+              <a:t>9</a:t>
+            </a:fld>
+            <a:endParaRPr lang="he-IL"/>
+          </a:p>
+        </p:txBody>
+      </p:sp>
+    </p:spTree>
+    <p:extLst>
+      <p:ext uri="{BB962C8B-B14F-4D97-AF65-F5344CB8AC3E}">
+        <p14:creationId xmlns:p14="http://schemas.microsoft.com/office/powerpoint/2010/main" val="1302319679"/>
+      </p:ext>
+    </p:extLst>
+  </p:cSld>
+  <p:clrMapOvr>
+    <a:masterClrMapping/>
+  </p:clrMapOvr>
+</p:notes>
+</file>
+
+<file path=ppt/notesSlides/notesSlide9.xml><?xml version="1.0" encoding="utf-8"?>
+<p:notes xmlns:a="http://schemas.openxmlformats.org/drawingml/2006/main" xmlns:r="http://schemas.openxmlformats.org/officeDocument/2006/relationships" xmlns:p="http://schemas.openxmlformats.org/presentationml/2006/main">
+  <p:cSld>
+    <p:spTree>
+      <p:nvGrpSpPr>
+        <p:cNvPr id="1" name=""/>
+        <p:cNvGrpSpPr/>
+        <p:nvPr/>
+      </p:nvGrpSpPr>
+      <p:grpSpPr>
+        <a:xfrm>
+          <a:off x="0" y="0"/>
+          <a:ext cx="0" cy="0"/>
+          <a:chOff x="0" y="0"/>
+          <a:chExt cx="0" cy="0"/>
+        </a:xfrm>
+      </p:grpSpPr>
+      <p:sp>
+        <p:nvSpPr>
+          <p:cNvPr id="2" name="Slide Image Placeholder 1"/>
+          <p:cNvSpPr>
+            <a:spLocks noGrp="1" noRot="1" noChangeAspect="1"/>
+          </p:cNvSpPr>
+          <p:nvPr>
+            <p:ph type="sldImg"/>
+          </p:nvPr>
+        </p:nvSpPr>
+        <p:spPr/>
+      </p:sp>
+      <p:sp>
+        <p:nvSpPr>
+          <p:cNvPr id="3" name="Notes Placeholder 2"/>
+          <p:cNvSpPr>
+            <a:spLocks noGrp="1"/>
+          </p:cNvSpPr>
+          <p:nvPr>
+            <p:ph type="body" idx="1"/>
+          </p:nvPr>
+        </p:nvSpPr>
+        <p:spPr/>
+        <p:txBody>
+          <a:bodyPr/>
+          <a:lstStyle/>
+          <a:p>
+            <a:endParaRPr lang="en-US" dirty="0"/>
+          </a:p>
+        </p:txBody>
+      </p:sp>
+      <p:sp>
+        <p:nvSpPr>
+          <p:cNvPr id="4" name="Slide Number Placeholder 3"/>
+          <p:cNvSpPr>
+            <a:spLocks noGrp="1"/>
+          </p:cNvSpPr>
+          <p:nvPr>
+            <p:ph type="sldNum" sz="quarter" idx="5"/>
+          </p:nvPr>
+        </p:nvSpPr>
+        <p:spPr/>
+        <p:txBody>
+          <a:bodyPr/>
+          <a:lstStyle/>
+          <a:p>
+            <a:fld id="{AD20A3CA-3366-47BC-B45C-3BF3C8868E96}" type="slidenum">
+              <a:rPr lang="he-IL" smtClean="0"/>
+              <a:t>11</a:t>
+            </a:fld>
+            <a:endParaRPr lang="he-IL"/>
+          </a:p>
+        </p:txBody>
+      </p:sp>
+    </p:spTree>
+    <p:extLst>
+      <p:ext uri="{BB962C8B-B14F-4D97-AF65-F5344CB8AC3E}">
+        <p14:creationId xmlns:p14="http://schemas.microsoft.com/office/powerpoint/2010/main" val="4068838699"/>
       </p:ext>
     </p:extLst>
   </p:cSld>
@@ -5325,7 +5622,7 @@
           <a:p>
             <a:fld id="{C128FA71-3A18-48C0-980F-4B68F7F63042}" type="datetime1">
               <a:rPr lang="en-US" smtClean="0"/>
-              <a:t>7/14/2024</a:t>
+              <a:t>14-Jul-24</a:t>
             </a:fld>
             <a:endParaRPr lang="en-US"/>
           </a:p>
@@ -5533,7 +5830,7 @@
           <a:p>
             <a:fld id="{7104EDB3-C0E8-45F8-9E1D-1B6C8D1880C0}" type="datetime1">
               <a:rPr lang="en-US" smtClean="0"/>
-              <a:t>7/14/2024</a:t>
+              <a:t>14-Jul-24</a:t>
             </a:fld>
             <a:endParaRPr lang="en-US"/>
           </a:p>
@@ -5743,7 +6040,7 @@
           <a:p>
             <a:fld id="{9CF0EC4B-54ED-4041-B552-9BA760FA3DBA}" type="datetime1">
               <a:rPr lang="en-US" smtClean="0"/>
-              <a:t>7/14/2024</a:t>
+              <a:t>14-Jul-24</a:t>
             </a:fld>
             <a:endParaRPr lang="en-US"/>
           </a:p>
@@ -5941,7 +6238,7 @@
           <a:p>
             <a:fld id="{51C1210E-201E-4473-82AC-2466F5386C38}" type="datetime1">
               <a:rPr lang="en-US" smtClean="0"/>
-              <a:t>7/14/2024</a:t>
+              <a:t>14-Jul-24</a:t>
             </a:fld>
             <a:endParaRPr lang="en-US"/>
           </a:p>
@@ -6219,7 +6516,7 @@
           <a:p>
             <a:fld id="{B01EA198-6CAB-4B8F-B93F-1F9C8C4B6CE7}" type="datetime1">
               <a:rPr lang="en-US" smtClean="0"/>
-              <a:t>7/14/2024</a:t>
+              <a:t>14-Jul-24</a:t>
             </a:fld>
             <a:endParaRPr lang="en-US"/>
           </a:p>
@@ -6491,7 +6788,7 @@
           <a:p>
             <a:fld id="{CA06041F-4525-44D5-AA4F-332294BF1F56}" type="datetime1">
               <a:rPr lang="en-US" smtClean="0"/>
-              <a:t>7/14/2024</a:t>
+              <a:t>14-Jul-24</a:t>
             </a:fld>
             <a:endParaRPr lang="en-US"/>
           </a:p>
@@ -6915,7 +7212,7 @@
           <a:p>
             <a:fld id="{F9557091-BBDF-4EB9-BA6B-2BB67AC4FC0F}" type="datetime1">
               <a:rPr lang="en-US" smtClean="0"/>
-              <a:t>7/14/2024</a:t>
+              <a:t>14-Jul-24</a:t>
             </a:fld>
             <a:endParaRPr lang="en-US"/>
           </a:p>
@@ -7056,7 +7353,7 @@
           <a:p>
             <a:fld id="{2D6B226B-77A6-410C-9796-083F278E0125}" type="datetime1">
               <a:rPr lang="en-US" smtClean="0"/>
-              <a:t>7/14/2024</a:t>
+              <a:t>14-Jul-24</a:t>
             </a:fld>
             <a:endParaRPr lang="en-US"/>
           </a:p>
@@ -7169,7 +7466,7 @@
           <a:p>
             <a:fld id="{A23A578B-D289-4C40-8593-3D356C49DA58}" type="datetime1">
               <a:rPr lang="en-US" smtClean="0"/>
-              <a:t>7/14/2024</a:t>
+              <a:t>14-Jul-24</a:t>
             </a:fld>
             <a:endParaRPr lang="en-US"/>
           </a:p>
@@ -7488,7 +7785,7 @@
           <a:p>
             <a:fld id="{713DFAE3-14DB-48A7-A80F-80DDB072CE3D}" type="datetime1">
               <a:rPr lang="en-US" smtClean="0"/>
-              <a:t>7/14/2024</a:t>
+              <a:t>14-Jul-24</a:t>
             </a:fld>
             <a:endParaRPr lang="en-US"/>
           </a:p>
@@ -7782,7 +8079,7 @@
           <a:p>
             <a:fld id="{92C5EAEF-6478-4102-8F5D-A5FE9FC97ACB}" type="datetime1">
               <a:rPr lang="en-US" smtClean="0"/>
-              <a:t>7/14/2024</a:t>
+              <a:t>14-Jul-24</a:t>
             </a:fld>
             <a:endParaRPr lang="en-US"/>
           </a:p>
@@ -8023,7 +8320,7 @@
           <a:p>
             <a:fld id="{67F45AC6-C491-4585-A584-9CE2AF7D5500}" type="datetime1">
               <a:rPr lang="en-US" smtClean="0"/>
-              <a:t>7/14/2024</a:t>
+              <a:t>14-Jul-24</a:t>
             </a:fld>
             <a:endParaRPr lang="en-US"/>
           </a:p>
@@ -8714,8 +9011,8 @@
         </p:nvSpPr>
         <p:spPr>
           <a:xfrm>
-            <a:off x="7473219" y="898373"/>
-            <a:ext cx="4470544" cy="3474720"/>
+            <a:off x="7558944" y="1257300"/>
+            <a:ext cx="4470544" cy="2610968"/>
           </a:xfrm>
         </p:spPr>
         <p:txBody>
@@ -8724,7 +9021,7 @@
           </a:bodyPr>
           <a:lstStyle/>
           <a:p>
-            <a:pPr algn="l"/>
+            <a:pPr algn="r"/>
             <a:r>
               <a:rPr lang="en-US" sz="5800" dirty="0"/>
               <a:t>Analyzing 911 calls </a:t>
@@ -8751,7 +9048,7 @@
         </p:nvSpPr>
         <p:spPr>
           <a:xfrm>
-            <a:off x="7482646" y="4495013"/>
+            <a:off x="7913078" y="4213860"/>
             <a:ext cx="4116410" cy="1386840"/>
           </a:xfrm>
         </p:spPr>
@@ -8761,7 +9058,7 @@
           </a:bodyPr>
           <a:lstStyle/>
           <a:p>
-            <a:pPr algn="l"/>
+            <a:pPr algn="r"/>
             <a:r>
               <a:rPr lang="en-US" sz="2200" dirty="0"/>
               <a:t>Understanding the Emergency Response System</a:t>
@@ -8786,7 +9083,7 @@
         </p:nvSpPr>
         <p:spPr>
           <a:xfrm>
-            <a:off x="7482646" y="5273903"/>
+            <a:off x="7223797" y="5181284"/>
             <a:ext cx="4805691" cy="838831"/>
           </a:xfrm>
           <a:prstGeom prst="rect">
@@ -8962,7 +9259,7 @@
             </a:lvl9pPr>
           </a:lstStyle>
           <a:p>
-            <a:pPr algn="l"/>
+            <a:pPr algn="r"/>
             <a:r>
               <a:rPr lang="en-US" sz="2000" dirty="0">
                 <a:solidFill>
@@ -9000,6 +9297,18 @@
   <p:clrMapOvr>
     <a:overrideClrMapping bg1="dk1" tx1="lt1" bg2="dk2" tx2="lt2" accent1="accent1" accent2="accent2" accent3="accent3" accent4="accent4" accent5="accent5" accent6="accent6" hlink="hlink" folHlink="folHlink"/>
   </p:clrMapOvr>
+  <mc:AlternateContent xmlns:mc="http://schemas.openxmlformats.org/markup-compatibility/2006">
+    <mc:Choice xmlns:p14="http://schemas.microsoft.com/office/powerpoint/2010/main" Requires="p14">
+      <p:transition spd="med" p14:dur="700">
+        <p:fade/>
+      </p:transition>
+    </mc:Choice>
+    <mc:Fallback>
+      <p:transition spd="med">
+        <p:fade/>
+      </p:transition>
+    </mc:Fallback>
+  </mc:AlternateContent>
   <p:timing>
     <p:tnLst>
       <p:par>
@@ -9108,45 +9417,7 @@
                                 </p:cTn>
                               </p:par>
                               <p:par>
-                                <p:cTn id="11" presetID="10" presetClass="entr" presetSubtype="0" fill="hold" grpId="1" nodeType="withEffect">
-                                  <p:stCondLst>
-                                    <p:cond delay="250"/>
-                                  </p:stCondLst>
-                                  <p:iterate>
-                                    <p:tmPct val="10000"/>
-                                  </p:iterate>
-                                  <p:childTnLst>
-                                    <p:set>
-                                      <p:cBhvr>
-                                        <p:cTn id="12" dur="1" fill="hold">
-                                          <p:stCondLst>
-                                            <p:cond delay="0"/>
-                                          </p:stCondLst>
-                                        </p:cTn>
-                                        <p:tgtEl>
-                                          <p:spTgt spid="3"/>
-                                        </p:tgtEl>
-                                        <p:attrNameLst>
-                                          <p:attrName>style.visibility</p:attrName>
-                                        </p:attrNameLst>
-                                      </p:cBhvr>
-                                      <p:to>
-                                        <p:strVal val="visible"/>
-                                      </p:to>
-                                    </p:set>
-                                    <p:animEffect transition="in" filter="fade">
-                                      <p:cBhvr>
-                                        <p:cTn id="13" dur="500"/>
-                                        <p:tgtEl>
-                                          <p:spTgt spid="3"/>
-                                        </p:tgtEl>
-                                      </p:cBhvr>
-                                    </p:animEffect>
-                                  </p:childTnLst>
-                                </p:cTn>
-                              </p:par>
-                              <p:par>
-                                <p:cTn id="14" presetID="10" presetClass="entr" presetSubtype="0" fill="hold" grpId="0" nodeType="withEffect">
+                                <p:cTn id="11" presetID="10" presetClass="entr" presetSubtype="0" fill="hold" grpId="0" nodeType="withEffect">
                                   <p:stCondLst>
                                     <p:cond delay="1500"/>
                                   </p:stCondLst>
@@ -9156,7 +9427,7 @@
                                   <p:childTnLst>
                                     <p:set>
                                       <p:cBhvr>
-                                        <p:cTn id="15" dur="1" fill="hold">
+                                        <p:cTn id="12" dur="1" fill="hold">
                                           <p:stCondLst>
                                             <p:cond delay="0"/>
                                           </p:stCondLst>
@@ -9178,7 +9449,7 @@
                                     </p:set>
                                     <p:animEffect transition="in" filter="fade">
                                       <p:cBhvr>
-                                        <p:cTn id="16" dur="700"/>
+                                        <p:cTn id="13" dur="700"/>
                                         <p:tgtEl>
                                           <p:spTgt spid="4">
                                             <p:txEl>
@@ -9221,7 +9492,6 @@
     <p:bldLst>
       <p:bldP spid="2" grpId="0"/>
       <p:bldP spid="3" grpId="0" build="p"/>
-      <p:bldP spid="3" grpId="1"/>
       <p:bldP spid="4" grpId="0" build="p"/>
     </p:bldLst>
   </p:timing>
@@ -9229,6 +9499,508 @@
 </file>
 
 <file path=ppt/slides/slide10.xml><?xml version="1.0" encoding="utf-8"?>
+<p:sld xmlns:a="http://schemas.openxmlformats.org/drawingml/2006/main" xmlns:r="http://schemas.openxmlformats.org/officeDocument/2006/relationships" xmlns:p="http://schemas.openxmlformats.org/presentationml/2006/main">
+  <p:cSld>
+    <p:spTree>
+      <p:nvGrpSpPr>
+        <p:cNvPr id="1" name=""/>
+        <p:cNvGrpSpPr/>
+        <p:nvPr/>
+      </p:nvGrpSpPr>
+      <p:grpSpPr>
+        <a:xfrm>
+          <a:off x="0" y="0"/>
+          <a:ext cx="0" cy="0"/>
+          <a:chOff x="0" y="0"/>
+          <a:chExt cx="0" cy="0"/>
+        </a:xfrm>
+      </p:grpSpPr>
+      <p:sp>
+        <p:nvSpPr>
+          <p:cNvPr id="2" name="Title 1">
+            <a:extLst>
+              <a:ext uri="{FF2B5EF4-FFF2-40B4-BE49-F238E27FC236}">
+                <a16:creationId xmlns:a16="http://schemas.microsoft.com/office/drawing/2014/main" id="{AA6783A2-9251-CB24-7F2F-729C9F412764}"/>
+              </a:ext>
+            </a:extLst>
+          </p:cNvPr>
+          <p:cNvSpPr>
+            <a:spLocks noGrp="1"/>
+          </p:cNvSpPr>
+          <p:nvPr>
+            <p:ph type="title"/>
+          </p:nvPr>
+        </p:nvSpPr>
+        <p:spPr/>
+        <p:txBody>
+          <a:bodyPr/>
+          <a:lstStyle/>
+          <a:p>
+            <a:r>
+              <a:rPr lang="en-US" dirty="0"/>
+              <a:t>Solution Architecture</a:t>
+            </a:r>
+            <a:endParaRPr lang="he-IL" dirty="0"/>
+          </a:p>
+        </p:txBody>
+      </p:sp>
+      <p:pic>
+        <p:nvPicPr>
+          <p:cNvPr id="7" name="Picture 6" descr="A diagram of a diagram&#10;&#10;Description automatically generated with medium confidence">
+            <a:extLst>
+              <a:ext uri="{FF2B5EF4-FFF2-40B4-BE49-F238E27FC236}">
+                <a16:creationId xmlns:a16="http://schemas.microsoft.com/office/drawing/2014/main" id="{00C78E2D-3EF2-9DA2-E443-C61F76806744}"/>
+              </a:ext>
+            </a:extLst>
+          </p:cNvPr>
+          <p:cNvPicPr>
+            <a:picLocks noChangeAspect="1"/>
+          </p:cNvPicPr>
+          <p:nvPr/>
+        </p:nvPicPr>
+        <p:blipFill>
+          <a:blip r:embed="rId2">
+            <a:extLst>
+              <a:ext uri="{28A0092B-C50C-407E-A947-70E740481C1C}">
+                <a14:useLocalDpi xmlns:a14="http://schemas.microsoft.com/office/drawing/2010/main" val="0"/>
+              </a:ext>
+            </a:extLst>
+          </a:blip>
+          <a:stretch>
+            <a:fillRect/>
+          </a:stretch>
+        </p:blipFill>
+        <p:spPr>
+          <a:xfrm>
+            <a:off x="193548" y="1242933"/>
+            <a:ext cx="11579352" cy="5380720"/>
+          </a:xfrm>
+          <a:prstGeom prst="rect">
+            <a:avLst/>
+          </a:prstGeom>
+        </p:spPr>
+      </p:pic>
+    </p:spTree>
+    <p:extLst>
+      <p:ext uri="{BB962C8B-B14F-4D97-AF65-F5344CB8AC3E}">
+        <p14:creationId xmlns:p14="http://schemas.microsoft.com/office/powerpoint/2010/main" val="1636310560"/>
+      </p:ext>
+    </p:extLst>
+  </p:cSld>
+  <p:clrMapOvr>
+    <a:masterClrMapping/>
+  </p:clrMapOvr>
+  <mc:AlternateContent xmlns:mc="http://schemas.openxmlformats.org/markup-compatibility/2006">
+    <mc:Choice xmlns:p14="http://schemas.microsoft.com/office/powerpoint/2010/main" Requires="p14">
+      <p:transition spd="med" p14:dur="700">
+        <p:fade/>
+      </p:transition>
+    </mc:Choice>
+    <mc:Fallback>
+      <p:transition spd="med">
+        <p:fade/>
+      </p:transition>
+    </mc:Fallback>
+  </mc:AlternateContent>
+</p:sld>
+</file>
+
+<file path=ppt/slides/slide11.xml><?xml version="1.0" encoding="utf-8"?>
+<p:sld xmlns:a="http://schemas.openxmlformats.org/drawingml/2006/main" xmlns:r="http://schemas.openxmlformats.org/officeDocument/2006/relationships" xmlns:p="http://schemas.openxmlformats.org/presentationml/2006/main">
+  <p:cSld>
+    <p:spTree>
+      <p:nvGrpSpPr>
+        <p:cNvPr id="1" name=""/>
+        <p:cNvGrpSpPr/>
+        <p:nvPr/>
+      </p:nvGrpSpPr>
+      <p:grpSpPr>
+        <a:xfrm>
+          <a:off x="0" y="0"/>
+          <a:ext cx="0" cy="0"/>
+          <a:chOff x="0" y="0"/>
+          <a:chExt cx="0" cy="0"/>
+        </a:xfrm>
+      </p:grpSpPr>
+      <p:sp>
+        <p:nvSpPr>
+          <p:cNvPr id="2" name="Title 1">
+            <a:extLst>
+              <a:ext uri="{FF2B5EF4-FFF2-40B4-BE49-F238E27FC236}">
+                <a16:creationId xmlns:a16="http://schemas.microsoft.com/office/drawing/2014/main" id="{854DCDD0-0EF9-6679-4A19-9A4BBB43A743}"/>
+              </a:ext>
+            </a:extLst>
+          </p:cNvPr>
+          <p:cNvSpPr>
+            <a:spLocks noGrp="1"/>
+          </p:cNvSpPr>
+          <p:nvPr>
+            <p:ph type="title"/>
+          </p:nvPr>
+        </p:nvSpPr>
+        <p:spPr/>
+        <p:txBody>
+          <a:bodyPr/>
+          <a:lstStyle/>
+          <a:p>
+            <a:r>
+              <a:rPr lang="en-US" dirty="0"/>
+              <a:t>Start Schema ERD</a:t>
+            </a:r>
+            <a:endParaRPr lang="he-IL" dirty="0"/>
+          </a:p>
+        </p:txBody>
+      </p:sp>
+      <p:pic>
+        <p:nvPicPr>
+          <p:cNvPr id="6" name="Picture 5" descr="A screenshot of a computer&#10;&#10;Description automatically generated">
+            <a:extLst>
+              <a:ext uri="{FF2B5EF4-FFF2-40B4-BE49-F238E27FC236}">
+                <a16:creationId xmlns:a16="http://schemas.microsoft.com/office/drawing/2014/main" id="{1821F159-324A-DECE-7462-DB82ED139072}"/>
+              </a:ext>
+            </a:extLst>
+          </p:cNvPr>
+          <p:cNvPicPr>
+            <a:picLocks noChangeAspect="1"/>
+          </p:cNvPicPr>
+          <p:nvPr/>
+        </p:nvPicPr>
+        <p:blipFill>
+          <a:blip r:embed="rId3">
+            <a:extLst>
+              <a:ext uri="{28A0092B-C50C-407E-A947-70E740481C1C}">
+                <a14:useLocalDpi xmlns:a14="http://schemas.microsoft.com/office/drawing/2010/main" val="0"/>
+              </a:ext>
+            </a:extLst>
+          </a:blip>
+          <a:stretch>
+            <a:fillRect/>
+          </a:stretch>
+        </p:blipFill>
+        <p:spPr>
+          <a:xfrm>
+            <a:off x="1932730" y="1201996"/>
+            <a:ext cx="8326539" cy="5370254"/>
+          </a:xfrm>
+          <a:prstGeom prst="rect">
+            <a:avLst/>
+          </a:prstGeom>
+        </p:spPr>
+      </p:pic>
+    </p:spTree>
+    <p:extLst>
+      <p:ext uri="{BB962C8B-B14F-4D97-AF65-F5344CB8AC3E}">
+        <p14:creationId xmlns:p14="http://schemas.microsoft.com/office/powerpoint/2010/main" val="27786471"/>
+      </p:ext>
+    </p:extLst>
+  </p:cSld>
+  <p:clrMapOvr>
+    <a:masterClrMapping/>
+  </p:clrMapOvr>
+  <mc:AlternateContent xmlns:mc="http://schemas.openxmlformats.org/markup-compatibility/2006">
+    <mc:Choice xmlns:p14="http://schemas.microsoft.com/office/powerpoint/2010/main" Requires="p14">
+      <p:transition spd="med" p14:dur="700">
+        <p:fade/>
+      </p:transition>
+    </mc:Choice>
+    <mc:Fallback>
+      <p:transition spd="med">
+        <p:fade/>
+      </p:transition>
+    </mc:Fallback>
+  </mc:AlternateContent>
+</p:sld>
+</file>
+
+<file path=ppt/slides/slide12.xml><?xml version="1.0" encoding="utf-8"?>
+<p:sld xmlns:a="http://schemas.openxmlformats.org/drawingml/2006/main" xmlns:r="http://schemas.openxmlformats.org/officeDocument/2006/relationships" xmlns:p="http://schemas.openxmlformats.org/presentationml/2006/main">
+  <p:cSld>
+    <p:bg>
+      <p:bgPr>
+        <a:solidFill>
+          <a:schemeClr val="bg1"/>
+        </a:solidFill>
+        <a:effectLst/>
+      </p:bgPr>
+    </p:bg>
+    <p:spTree>
+      <p:nvGrpSpPr>
+        <p:cNvPr id="1" name=""/>
+        <p:cNvGrpSpPr/>
+        <p:nvPr/>
+      </p:nvGrpSpPr>
+      <p:grpSpPr>
+        <a:xfrm>
+          <a:off x="0" y="0"/>
+          <a:ext cx="0" cy="0"/>
+          <a:chOff x="0" y="0"/>
+          <a:chExt cx="0" cy="0"/>
+        </a:xfrm>
+      </p:grpSpPr>
+      <p:sp>
+        <p:nvSpPr>
+          <p:cNvPr id="24" name="Rectangle 23">
+            <a:extLst>
+              <a:ext uri="{FF2B5EF4-FFF2-40B4-BE49-F238E27FC236}">
+                <a16:creationId xmlns:a16="http://schemas.microsoft.com/office/drawing/2014/main" id="{6D48EA17-F2CF-2F98-FC06-DBB6A2AECB81}"/>
+              </a:ext>
+              <a:ext uri="{C183D7F6-B498-43B3-948B-1728B52AA6E4}">
+                <adec:decorative xmlns:adec="http://schemas.microsoft.com/office/drawing/2017/decorative" val="1"/>
+              </a:ext>
+            </a:extLst>
+          </p:cNvPr>
+          <p:cNvSpPr>
+            <a:spLocks noGrp="1" noRot="1" noChangeAspect="1" noMove="1" noResize="1" noEditPoints="1" noAdjustHandles="1" noChangeArrowheads="1" noChangeShapeType="1" noTextEdit="1"/>
+          </p:cNvSpPr>
+          <p:nvPr>
+            <p:extLst>
+              <p:ext uri="{386F3935-93C4-4BCD-93E2-E3B085C9AB24}">
+                <p16:designElem xmlns:p16="http://schemas.microsoft.com/office/powerpoint/2015/main" val="1"/>
+              </p:ext>
+            </p:extLst>
+          </p:nvPr>
+        </p:nvSpPr>
+        <p:spPr>
+          <a:xfrm>
+            <a:off x="0" y="0"/>
+            <a:ext cx="12192000" cy="6858000"/>
+          </a:xfrm>
+          <a:prstGeom prst="rect">
+            <a:avLst/>
+          </a:prstGeom>
+          <a:solidFill>
+            <a:schemeClr val="bg1"/>
+          </a:solidFill>
+          <a:ln w="12700" cap="flat" cmpd="sng" algn="ctr">
+            <a:noFill/>
+            <a:prstDash val="solid"/>
+            <a:miter lim="800000"/>
+          </a:ln>
+          <a:effectLst/>
+          <a:extLst>
+            <a:ext uri="{91240B29-F687-4F45-9708-019B960494DF}">
+              <a14:hiddenLine xmlns:a14="http://schemas.microsoft.com/office/drawing/2010/main" w="12700" cap="flat" cmpd="sng" algn="ctr">
+                <a:solidFill>
+                  <a:schemeClr val="accent1">
+                    <a:shade val="15000"/>
+                  </a:schemeClr>
+                </a:solidFill>
+                <a:prstDash val="solid"/>
+                <a:miter lim="800000"/>
+              </a14:hiddenLine>
+            </a:ext>
+          </a:extLst>
+        </p:spPr>
+        <p:style>
+          <a:lnRef idx="2">
+            <a:schemeClr val="accent1">
+              <a:shade val="15000"/>
+            </a:schemeClr>
+          </a:lnRef>
+          <a:fillRef idx="1">
+            <a:schemeClr val="accent1"/>
+          </a:fillRef>
+          <a:effectRef idx="0">
+            <a:schemeClr val="accent1"/>
+          </a:effectRef>
+          <a:fontRef idx="minor">
+            <a:schemeClr val="lt1"/>
+          </a:fontRef>
+        </p:style>
+        <p:txBody>
+          <a:bodyPr rtlCol="0" anchor="ctr"/>
+          <a:lstStyle/>
+          <a:p>
+            <a:pPr marL="0" marR="0" lvl="0" indent="0" algn="ctr" defTabSz="914400" rtl="0" eaLnBrk="1" fontAlgn="auto" latinLnBrk="0" hangingPunct="1">
+              <a:lnSpc>
+                <a:spcPct val="100000"/>
+              </a:lnSpc>
+              <a:spcBef>
+                <a:spcPts val="0"/>
+              </a:spcBef>
+              <a:spcAft>
+                <a:spcPts val="0"/>
+              </a:spcAft>
+              <a:buClrTx/>
+              <a:buSzTx/>
+              <a:buFontTx/>
+              <a:buNone/>
+              <a:tabLst/>
+              <a:defRPr/>
+            </a:pPr>
+            <a:endParaRPr kumimoji="0" lang="en-US" sz="1800" b="0" i="0" u="none" strike="noStrike" kern="1200" cap="none" spc="0" normalizeH="0" baseline="0" noProof="0">
+              <a:ln>
+                <a:noFill/>
+              </a:ln>
+              <a:solidFill>
+                <a:prstClr val="white"/>
+              </a:solidFill>
+              <a:effectLst/>
+              <a:uLnTx/>
+              <a:uFillTx/>
+              <a:latin typeface="Neue Haas Grotesk Text Pro"/>
+              <a:ea typeface="+mn-ea"/>
+              <a:cs typeface="+mn-cs"/>
+            </a:endParaRPr>
+          </a:p>
+        </p:txBody>
+      </p:sp>
+      <p:sp>
+        <p:nvSpPr>
+          <p:cNvPr id="26" name="Rectangle 25">
+            <a:extLst>
+              <a:ext uri="{FF2B5EF4-FFF2-40B4-BE49-F238E27FC236}">
+                <a16:creationId xmlns:a16="http://schemas.microsoft.com/office/drawing/2014/main" id="{4D3D4267-6754-E656-C65D-257297D453DD}"/>
+              </a:ext>
+              <a:ext uri="{C183D7F6-B498-43B3-948B-1728B52AA6E4}">
+                <adec:decorative xmlns:adec="http://schemas.microsoft.com/office/drawing/2017/decorative" val="1"/>
+              </a:ext>
+            </a:extLst>
+          </p:cNvPr>
+          <p:cNvSpPr>
+            <a:spLocks noGrp="1" noRot="1" noChangeAspect="1" noMove="1" noResize="1" noEditPoints="1" noAdjustHandles="1" noChangeArrowheads="1" noChangeShapeType="1" noTextEdit="1"/>
+          </p:cNvSpPr>
+          <p:nvPr>
+            <p:extLst>
+              <p:ext uri="{386F3935-93C4-4BCD-93E2-E3B085C9AB24}">
+                <p16:designElem xmlns:p16="http://schemas.microsoft.com/office/powerpoint/2015/main" val="1"/>
+              </p:ext>
+            </p:extLst>
+          </p:nvPr>
+        </p:nvSpPr>
+        <p:spPr>
+          <a:xfrm>
+            <a:off x="0" y="0"/>
+            <a:ext cx="12192000" cy="6858000"/>
+          </a:xfrm>
+          <a:prstGeom prst="rect">
+            <a:avLst/>
+          </a:prstGeom>
+          <a:solidFill>
+            <a:schemeClr val="bg1"/>
+          </a:solidFill>
+          <a:ln w="12700" cap="flat" cmpd="sng" algn="ctr">
+            <a:noFill/>
+            <a:prstDash val="solid"/>
+            <a:miter lim="800000"/>
+          </a:ln>
+          <a:effectLst/>
+        </p:spPr>
+        <p:style>
+          <a:lnRef idx="2">
+            <a:schemeClr val="accent1">
+              <a:shade val="50000"/>
+            </a:schemeClr>
+          </a:lnRef>
+          <a:fillRef idx="1">
+            <a:schemeClr val="accent1"/>
+          </a:fillRef>
+          <a:effectRef idx="0">
+            <a:schemeClr val="accent1"/>
+          </a:effectRef>
+          <a:fontRef idx="minor">
+            <a:schemeClr val="lt1"/>
+          </a:fontRef>
+        </p:style>
+        <p:txBody>
+          <a:bodyPr rtlCol="0" anchor="ctr"/>
+          <a:lstStyle/>
+          <a:p>
+            <a:pPr marL="0" marR="0" lvl="0" indent="0" algn="ctr" defTabSz="914400" rtl="0" eaLnBrk="1" fontAlgn="auto" latinLnBrk="0" hangingPunct="1">
+              <a:lnSpc>
+                <a:spcPct val="100000"/>
+              </a:lnSpc>
+              <a:spcBef>
+                <a:spcPts val="0"/>
+              </a:spcBef>
+              <a:spcAft>
+                <a:spcPts val="0"/>
+              </a:spcAft>
+              <a:buClrTx/>
+              <a:buSzTx/>
+              <a:buFontTx/>
+              <a:buNone/>
+              <a:tabLst/>
+              <a:defRPr/>
+            </a:pPr>
+            <a:endParaRPr kumimoji="0" lang="en-US" sz="1800" b="0" i="0" u="none" strike="noStrike" kern="1200" cap="none" spc="0" normalizeH="0" baseline="0" noProof="0">
+              <a:ln>
+                <a:noFill/>
+              </a:ln>
+              <a:solidFill>
+                <a:prstClr val="white"/>
+              </a:solidFill>
+              <a:effectLst/>
+              <a:uLnTx/>
+              <a:uFillTx/>
+              <a:latin typeface="Neue Haas Grotesk Text Pro"/>
+              <a:ea typeface="+mn-ea"/>
+              <a:cs typeface="+mn-cs"/>
+            </a:endParaRPr>
+          </a:p>
+        </p:txBody>
+      </p:sp>
+      <p:pic>
+        <p:nvPicPr>
+          <p:cNvPr id="16" name="Picture 15" descr="A computer on a desk&#10;&#10;Description automatically generated">
+            <a:extLst>
+              <a:ext uri="{FF2B5EF4-FFF2-40B4-BE49-F238E27FC236}">
+                <a16:creationId xmlns:a16="http://schemas.microsoft.com/office/drawing/2014/main" id="{ECE9908D-A86A-41ED-9BCD-2F29666CC03A}"/>
+              </a:ext>
+            </a:extLst>
+          </p:cNvPr>
+          <p:cNvPicPr>
+            <a:picLocks noChangeAspect="1"/>
+          </p:cNvPicPr>
+          <p:nvPr/>
+        </p:nvPicPr>
+        <p:blipFill rotWithShape="1">
+          <a:blip r:embed="rId3">
+            <a:extLst>
+              <a:ext uri="{28A0092B-C50C-407E-A947-70E740481C1C}">
+                <a14:useLocalDpi xmlns:a14="http://schemas.microsoft.com/office/drawing/2010/main" val="0"/>
+              </a:ext>
+            </a:extLst>
+          </a:blip>
+          <a:srcRect t="1819" r="2" b="2"/>
+          <a:stretch/>
+        </p:blipFill>
+        <p:spPr>
+          <a:xfrm>
+            <a:off x="133896" y="136321"/>
+            <a:ext cx="11924208" cy="6585358"/>
+          </a:xfrm>
+          <a:prstGeom prst="rect">
+            <a:avLst/>
+          </a:prstGeom>
+        </p:spPr>
+      </p:pic>
+    </p:spTree>
+    <p:extLst>
+      <p:ext uri="{BB962C8B-B14F-4D97-AF65-F5344CB8AC3E}">
+        <p14:creationId xmlns:p14="http://schemas.microsoft.com/office/powerpoint/2010/main" val="3405173496"/>
+      </p:ext>
+    </p:extLst>
+  </p:cSld>
+  <p:clrMapOvr>
+    <a:masterClrMapping/>
+  </p:clrMapOvr>
+  <mc:AlternateContent xmlns:mc="http://schemas.openxmlformats.org/markup-compatibility/2006">
+    <mc:Choice xmlns:p14="http://schemas.microsoft.com/office/powerpoint/2010/main" Requires="p14">
+      <p:transition spd="med" p14:dur="700">
+        <p:fade/>
+      </p:transition>
+    </mc:Choice>
+    <mc:Fallback>
+      <p:transition spd="med">
+        <p:fade/>
+      </p:transition>
+    </mc:Fallback>
+  </mc:AlternateContent>
+</p:sld>
+</file>
+
+<file path=ppt/slides/slide13.xml><?xml version="1.0" encoding="utf-8"?>
 <p:sld xmlns:a="http://schemas.openxmlformats.org/drawingml/2006/main" xmlns:r="http://schemas.openxmlformats.org/officeDocument/2006/relationships" xmlns:p="http://schemas.openxmlformats.org/presentationml/2006/main">
   <p:cSld>
     <p:bg>
@@ -9629,9 +10401,18 @@
   <p:clrMapOvr>
     <a:masterClrMapping/>
   </p:clrMapOvr>
-  <p:transition>
-    <p:fade/>
-  </p:transition>
+  <mc:AlternateContent xmlns:mc="http://schemas.openxmlformats.org/markup-compatibility/2006">
+    <mc:Choice xmlns:p14="http://schemas.microsoft.com/office/powerpoint/2010/main" Requires="p14">
+      <p:transition spd="med" p14:dur="700">
+        <p:fade/>
+      </p:transition>
+    </mc:Choice>
+    <mc:Fallback>
+      <p:transition spd="med">
+        <p:fade/>
+      </p:transition>
+    </mc:Fallback>
+  </mc:AlternateContent>
 </p:sld>
 </file>
 
@@ -9789,7 +10570,7 @@
           <p:nvPr>
             <p:extLst>
               <p:ext uri="{D42A27DB-BD31-4B8C-83A1-F6EECF244321}">
-                <p14:modId xmlns:p14="http://schemas.microsoft.com/office/powerpoint/2010/main" val="1430499006"/>
+                <p14:modId xmlns:p14="http://schemas.microsoft.com/office/powerpoint/2010/main" val="338904417"/>
               </p:ext>
             </p:extLst>
           </p:nvPr>
@@ -9800,7 +10581,7 @@
         </p:xfrm>
         <a:graphic>
           <a:graphicData uri="http://schemas.openxmlformats.org/drawingml/2006/diagram">
-            <dgm:relIds xmlns:dgm="http://schemas.openxmlformats.org/drawingml/2006/diagram" xmlns:r="http://schemas.openxmlformats.org/officeDocument/2006/relationships" r:dm="rId2" r:lo="rId3" r:qs="rId4" r:cs="rId5"/>
+            <dgm:relIds xmlns:dgm="http://schemas.openxmlformats.org/drawingml/2006/diagram" xmlns:r="http://schemas.openxmlformats.org/officeDocument/2006/relationships" r:dm="rId3" r:lo="rId4" r:qs="rId5" r:cs="rId6"/>
           </a:graphicData>
         </a:graphic>
       </p:graphicFrame>
@@ -9814,6 +10595,18 @@
   <p:clrMapOvr>
     <a:masterClrMapping/>
   </p:clrMapOvr>
+  <mc:AlternateContent xmlns:mc="http://schemas.openxmlformats.org/markup-compatibility/2006">
+    <mc:Choice xmlns:p14="http://schemas.microsoft.com/office/powerpoint/2010/main" Requires="p14">
+      <p:transition spd="med" p14:dur="700">
+        <p:fade/>
+      </p:transition>
+    </mc:Choice>
+    <mc:Fallback>
+      <p:transition spd="med">
+        <p:fade/>
+      </p:transition>
+    </mc:Fallback>
+  </mc:AlternateContent>
 </p:sld>
 </file>
 
@@ -10027,7 +10820,7 @@
           <a:p>
             <a:r>
               <a:rPr lang="en-US" sz="1800" dirty="0"/>
-              <a:t>Utilize what we learned in the last weeks</a:t>
+              <a:t>Utilize what we’ve learned in the last weeks</a:t>
             </a:r>
           </a:p>
           <a:p>
@@ -10070,6 +10863,18 @@
   <p:clrMapOvr>
     <a:masterClrMapping/>
   </p:clrMapOvr>
+  <mc:AlternateContent xmlns:mc="http://schemas.openxmlformats.org/markup-compatibility/2006">
+    <mc:Choice xmlns:p14="http://schemas.microsoft.com/office/powerpoint/2010/main" Requires="p14">
+      <p:transition spd="med" p14:dur="700">
+        <p:fade/>
+      </p:transition>
+    </mc:Choice>
+    <mc:Fallback>
+      <p:transition spd="med">
+        <p:fade/>
+      </p:transition>
+    </mc:Fallback>
+  </mc:AlternateContent>
 </p:sld>
 </file>
 
@@ -10148,7 +10953,7 @@
         </p:blipFill>
         <p:spPr bwMode="auto">
           <a:xfrm>
-            <a:off x="1" y="1373189"/>
+            <a:off x="1038225" y="1849439"/>
             <a:ext cx="10115550" cy="3411364"/>
           </a:xfrm>
           <a:prstGeom prst="rect">
@@ -10176,6 +10981,18 @@
   <p:clrMapOvr>
     <a:masterClrMapping/>
   </p:clrMapOvr>
+  <mc:AlternateContent xmlns:mc="http://schemas.openxmlformats.org/markup-compatibility/2006">
+    <mc:Choice xmlns:p14="http://schemas.microsoft.com/office/powerpoint/2010/main" Requires="p14">
+      <p:transition spd="med" p14:dur="700">
+        <p:fade/>
+      </p:transition>
+    </mc:Choice>
+    <mc:Fallback>
+      <p:transition spd="med">
+        <p:fade/>
+      </p:transition>
+    </mc:Fallback>
+  </mc:AlternateContent>
 </p:sld>
 </file>
 
@@ -10298,13 +11115,13 @@
         </p:nvPicPr>
         <p:blipFill rotWithShape="1">
           <a:blip r:embed="rId3"/>
-          <a:srcRect r="17987" b="1"/>
+          <a:srcRect l="6251" t="1" r="17987" b="1"/>
           <a:stretch/>
         </p:blipFill>
         <p:spPr>
           <a:xfrm>
-            <a:off x="1" y="10"/>
-            <a:ext cx="6373368" cy="6857990"/>
+            <a:off x="0" y="10"/>
+            <a:ext cx="5887594" cy="6857990"/>
           </a:xfrm>
           <a:prstGeom prst="rect">
             <a:avLst/>
@@ -10329,7 +11146,7 @@
         </p:nvSpPr>
         <p:spPr>
           <a:xfrm>
-            <a:off x="7123015" y="603504"/>
+            <a:off x="6856315" y="603504"/>
             <a:ext cx="4361689" cy="1527048"/>
           </a:xfrm>
         </p:spPr>
@@ -10371,7 +11188,7 @@
         </p:nvSpPr>
         <p:spPr>
           <a:xfrm>
-            <a:off x="7123016" y="2212848"/>
+            <a:off x="6856316" y="2212848"/>
             <a:ext cx="4687983" cy="4096512"/>
           </a:xfrm>
         </p:spPr>
@@ -10446,6 +11263,18 @@
   <p:clrMapOvr>
     <a:masterClrMapping/>
   </p:clrMapOvr>
+  <mc:AlternateContent xmlns:mc="http://schemas.openxmlformats.org/markup-compatibility/2006">
+    <mc:Choice xmlns:p14="http://schemas.microsoft.com/office/powerpoint/2010/main" Requires="p14">
+      <p:transition spd="med" p14:dur="700">
+        <p:fade/>
+      </p:transition>
+    </mc:Choice>
+    <mc:Fallback>
+      <p:transition spd="med">
+        <p:fade/>
+      </p:transition>
+    </mc:Fallback>
+  </mc:AlternateContent>
 </p:sld>
 </file>
 
@@ -10550,73 +11379,12 @@
           </a:p>
         </p:txBody>
       </p:sp>
-      <p:pic>
-        <p:nvPicPr>
-          <p:cNvPr id="5" name="Content Placeholder 4" descr="3d server with folders">
-            <a:extLst>
-              <a:ext uri="{FF2B5EF4-FFF2-40B4-BE49-F238E27FC236}">
-                <a16:creationId xmlns:a16="http://schemas.microsoft.com/office/drawing/2014/main" id="{E8411148-F264-4DEA-9617-2DB42728033D}"/>
-              </a:ext>
-            </a:extLst>
-          </p:cNvPr>
-          <p:cNvPicPr>
-            <a:picLocks noGrp="1" noChangeAspect="1"/>
-          </p:cNvPicPr>
-          <p:nvPr>
-            <p:ph sz="half" idx="1"/>
-          </p:nvPr>
-        </p:nvPicPr>
-        <p:blipFill rotWithShape="1">
-          <a:blip r:embed="rId3"/>
-          <a:srcRect r="17987" b="1"/>
-          <a:stretch/>
-        </p:blipFill>
-        <p:spPr>
-          <a:xfrm>
-            <a:off x="1" y="10"/>
-            <a:ext cx="6373368" cy="6857990"/>
-          </a:xfrm>
-          <a:prstGeom prst="rect">
-            <a:avLst/>
-          </a:prstGeom>
-        </p:spPr>
-      </p:pic>
-    </p:spTree>
-    <p:extLst>
-      <p:ext uri="{BB962C8B-B14F-4D97-AF65-F5344CB8AC3E}">
-        <p14:creationId xmlns:p14="http://schemas.microsoft.com/office/powerpoint/2010/main" val="116409183"/>
-      </p:ext>
-    </p:extLst>
-  </p:cSld>
-  <p:clrMapOvr>
-    <a:masterClrMapping/>
-  </p:clrMapOvr>
-</p:sld>
-</file>
-
-<file path=ppt/slides/slide7.xml><?xml version="1.0" encoding="utf-8"?>
-<p:sld xmlns:a="http://schemas.openxmlformats.org/drawingml/2006/main" xmlns:r="http://schemas.openxmlformats.org/officeDocument/2006/relationships" xmlns:p="http://schemas.openxmlformats.org/presentationml/2006/main">
-  <p:cSld>
-    <p:spTree>
-      <p:nvGrpSpPr>
-        <p:cNvPr id="1" name=""/>
-        <p:cNvGrpSpPr/>
-        <p:nvPr/>
-      </p:nvGrpSpPr>
-      <p:grpSpPr>
-        <a:xfrm>
-          <a:off x="0" y="0"/>
-          <a:ext cx="0" cy="0"/>
-          <a:chOff x="0" y="0"/>
-          <a:chExt cx="0" cy="0"/>
-        </a:xfrm>
-      </p:grpSpPr>
       <p:sp>
         <p:nvSpPr>
           <p:cNvPr id="2" name="Title 1">
             <a:extLst>
               <a:ext uri="{FF2B5EF4-FFF2-40B4-BE49-F238E27FC236}">
-                <a16:creationId xmlns:a16="http://schemas.microsoft.com/office/drawing/2014/main" id="{AA6783A2-9251-CB24-7F2F-729C9F412764}"/>
+                <a16:creationId xmlns:a16="http://schemas.microsoft.com/office/drawing/2014/main" id="{DF2752DE-F534-62E0-C26C-B7C7CEB98AEC}"/>
               </a:ext>
             </a:extLst>
           </p:cNvPr>
@@ -10627,25 +11395,157 @@
             <p:ph type="title"/>
           </p:nvPr>
         </p:nvSpPr>
-        <p:spPr/>
+        <p:spPr>
+          <a:xfrm>
+            <a:off x="6856315" y="603504"/>
+            <a:ext cx="4361689" cy="1527048"/>
+          </a:xfrm>
+        </p:spPr>
         <p:txBody>
-          <a:bodyPr/>
+          <a:bodyPr vert="horz" lIns="91440" tIns="45720" rIns="91440" bIns="45720" rtlCol="0" anchor="b">
+            <a:normAutofit/>
+          </a:bodyPr>
           <a:lstStyle/>
           <a:p>
             <a:r>
-              <a:rPr lang="en-US" dirty="0"/>
-              <a:t>Solution Architecture</a:t>
-            </a:r>
-            <a:endParaRPr lang="he-IL" dirty="0"/>
+              <a:rPr lang="en-US" b="1" kern="1200" dirty="0">
+                <a:solidFill>
+                  <a:schemeClr val="tx1"/>
+                </a:solidFill>
+                <a:latin typeface="+mj-lt"/>
+                <a:ea typeface="+mj-ea"/>
+                <a:cs typeface="+mj-cs"/>
+              </a:rPr>
+              <a:t>Data Sources</a:t>
+            </a:r>
+          </a:p>
+        </p:txBody>
+      </p:sp>
+      <p:sp>
+        <p:nvSpPr>
+          <p:cNvPr id="4" name="Content Placeholder 3">
+            <a:extLst>
+              <a:ext uri="{FF2B5EF4-FFF2-40B4-BE49-F238E27FC236}">
+                <a16:creationId xmlns:a16="http://schemas.microsoft.com/office/drawing/2014/main" id="{94BD19D9-77AB-B2A6-2E32-B78BC196967B}"/>
+              </a:ext>
+            </a:extLst>
+          </p:cNvPr>
+          <p:cNvSpPr>
+            <a:spLocks noGrp="1"/>
+          </p:cNvSpPr>
+          <p:nvPr>
+            <p:ph sz="half" idx="2"/>
+          </p:nvPr>
+        </p:nvSpPr>
+        <p:spPr>
+          <a:xfrm>
+            <a:off x="6856316" y="2212848"/>
+            <a:ext cx="4687983" cy="4096512"/>
+          </a:xfrm>
+        </p:spPr>
+        <p:txBody>
+          <a:bodyPr vert="horz" lIns="91440" tIns="45720" rIns="91440" bIns="45720" rtlCol="0">
+            <a:normAutofit/>
+          </a:bodyPr>
+          <a:lstStyle/>
+          <a:p>
+            <a:r>
+              <a:rPr lang="en-US" sz="1800" dirty="0"/>
+              <a:t>Live API – San Francisco open data</a:t>
+            </a:r>
+          </a:p>
+          <a:p>
+            <a:pPr lvl="1"/>
+            <a:r>
+              <a:rPr lang="en-US" sz="1600" b="1" dirty="0"/>
+              <a:t>Calls</a:t>
+            </a:r>
+          </a:p>
+          <a:p>
+            <a:pPr lvl="1"/>
+            <a:r>
+              <a:rPr lang="en-US" sz="1600" dirty="0">
+                <a:solidFill>
+                  <a:schemeClr val="bg1">
+                    <a:lumMod val="75000"/>
+                  </a:schemeClr>
+                </a:solidFill>
+              </a:rPr>
+              <a:t>Call types</a:t>
+            </a:r>
+          </a:p>
+          <a:p>
+            <a:pPr lvl="1"/>
+            <a:r>
+              <a:rPr lang="en-US" sz="1600" dirty="0">
+                <a:solidFill>
+                  <a:schemeClr val="bg1">
+                    <a:lumMod val="75000"/>
+                  </a:schemeClr>
+                </a:solidFill>
+              </a:rPr>
+              <a:t>Districts</a:t>
+            </a:r>
+          </a:p>
+          <a:p>
+            <a:pPr lvl="1"/>
+            <a:r>
+              <a:rPr lang="en-US" sz="1600" dirty="0">
+                <a:solidFill>
+                  <a:schemeClr val="bg1">
+                    <a:lumMod val="75000"/>
+                  </a:schemeClr>
+                </a:solidFill>
+              </a:rPr>
+              <a:t>Neighborhoods</a:t>
+            </a:r>
+          </a:p>
+          <a:p>
+            <a:r>
+              <a:rPr lang="en-US" sz="1800" dirty="0">
+                <a:solidFill>
+                  <a:schemeClr val="bg1">
+                    <a:lumMod val="75000"/>
+                  </a:schemeClr>
+                </a:solidFill>
+              </a:rPr>
+              <a:t>Static CSV data for enrichment</a:t>
+            </a:r>
+          </a:p>
+          <a:p>
+            <a:pPr lvl="1"/>
+            <a:r>
+              <a:rPr lang="en-US" sz="1600" dirty="0">
+                <a:solidFill>
+                  <a:schemeClr val="bg1">
+                    <a:lumMod val="75000"/>
+                  </a:schemeClr>
+                </a:solidFill>
+              </a:rPr>
+              <a:t>Calls disposition</a:t>
+            </a:r>
+          </a:p>
+          <a:p>
+            <a:pPr lvl="1"/>
+            <a:r>
+              <a:rPr lang="en-US" sz="1600" dirty="0">
+                <a:solidFill>
+                  <a:schemeClr val="bg1">
+                    <a:lumMod val="75000"/>
+                  </a:schemeClr>
+                </a:solidFill>
+              </a:rPr>
+              <a:t>Stats about neighborhoods (US Census)</a:t>
+            </a:r>
           </a:p>
         </p:txBody>
       </p:sp>
       <p:pic>
         <p:nvPicPr>
-          <p:cNvPr id="7" name="Picture 6" descr="A diagram of a diagram&#10;&#10;Description automatically generated with medium confidence">
+          <p:cNvPr id="9" name="Picture 8">
             <a:extLst>
               <a:ext uri="{FF2B5EF4-FFF2-40B4-BE49-F238E27FC236}">
-                <a16:creationId xmlns:a16="http://schemas.microsoft.com/office/drawing/2014/main" id="{00C78E2D-3EF2-9DA2-E443-C61F76806744}"/>
+                <a16:creationId xmlns:a16="http://schemas.microsoft.com/office/drawing/2014/main" id="{FD12F1F1-B7D9-F8F6-477A-FD5AD1CF7BC2}"/>
               </a:ext>
             </a:extLst>
           </p:cNvPr>
@@ -10655,136 +11555,52 @@
           <p:nvPr/>
         </p:nvPicPr>
         <p:blipFill>
-          <a:blip r:embed="rId2">
-            <a:extLst>
-              <a:ext uri="{28A0092B-C50C-407E-A947-70E740481C1C}">
-                <a14:useLocalDpi xmlns:a14="http://schemas.microsoft.com/office/drawing/2010/main" val="0"/>
-              </a:ext>
-            </a:extLst>
-          </a:blip>
+          <a:blip r:embed="rId3"/>
           <a:stretch>
             <a:fillRect/>
           </a:stretch>
         </p:blipFill>
         <p:spPr>
           <a:xfrm>
-            <a:off x="174498" y="1061958"/>
-            <a:ext cx="11579352" cy="5380720"/>
+            <a:off x="1227882" y="1100137"/>
+            <a:ext cx="4400550" cy="4657725"/>
           </a:xfrm>
           <a:prstGeom prst="rect">
             <a:avLst/>
           </a:prstGeom>
+          <a:ln>
+            <a:solidFill>
+              <a:schemeClr val="tx1"/>
+            </a:solidFill>
+          </a:ln>
         </p:spPr>
       </p:pic>
     </p:spTree>
     <p:extLst>
       <p:ext uri="{BB962C8B-B14F-4D97-AF65-F5344CB8AC3E}">
-        <p14:creationId xmlns:p14="http://schemas.microsoft.com/office/powerpoint/2010/main" val="1636310560"/>
+        <p14:creationId xmlns:p14="http://schemas.microsoft.com/office/powerpoint/2010/main" val="693856420"/>
       </p:ext>
     </p:extLst>
   </p:cSld>
   <p:clrMapOvr>
     <a:masterClrMapping/>
   </p:clrMapOvr>
+  <mc:AlternateContent xmlns:mc="http://schemas.openxmlformats.org/markup-compatibility/2006">
+    <mc:Choice xmlns:p14="http://schemas.microsoft.com/office/powerpoint/2010/main" Requires="p14">
+      <p:transition spd="med" p14:dur="700">
+        <p:fade/>
+      </p:transition>
+    </mc:Choice>
+    <mc:Fallback>
+      <p:transition spd="med">
+        <p:fade/>
+      </p:transition>
+    </mc:Fallback>
+  </mc:AlternateContent>
 </p:sld>
 </file>
 
-<file path=ppt/slides/slide8.xml><?xml version="1.0" encoding="utf-8"?>
-<p:sld xmlns:a="http://schemas.openxmlformats.org/drawingml/2006/main" xmlns:r="http://schemas.openxmlformats.org/officeDocument/2006/relationships" xmlns:p="http://schemas.openxmlformats.org/presentationml/2006/main">
-  <p:cSld>
-    <p:spTree>
-      <p:nvGrpSpPr>
-        <p:cNvPr id="1" name=""/>
-        <p:cNvGrpSpPr/>
-        <p:nvPr/>
-      </p:nvGrpSpPr>
-      <p:grpSpPr>
-        <a:xfrm>
-          <a:off x="0" y="0"/>
-          <a:ext cx="0" cy="0"/>
-          <a:chOff x="0" y="0"/>
-          <a:chExt cx="0" cy="0"/>
-        </a:xfrm>
-      </p:grpSpPr>
-      <p:sp>
-        <p:nvSpPr>
-          <p:cNvPr id="2" name="Title 1">
-            <a:extLst>
-              <a:ext uri="{FF2B5EF4-FFF2-40B4-BE49-F238E27FC236}">
-                <a16:creationId xmlns:a16="http://schemas.microsoft.com/office/drawing/2014/main" id="{854DCDD0-0EF9-6679-4A19-9A4BBB43A743}"/>
-              </a:ext>
-            </a:extLst>
-          </p:cNvPr>
-          <p:cNvSpPr>
-            <a:spLocks noGrp="1"/>
-          </p:cNvSpPr>
-          <p:nvPr>
-            <p:ph type="title"/>
-          </p:nvPr>
-        </p:nvSpPr>
-        <p:spPr/>
-        <p:txBody>
-          <a:bodyPr/>
-          <a:lstStyle/>
-          <a:p>
-            <a:r>
-              <a:rPr lang="en-US" dirty="0"/>
-              <a:t>Start Schema ERD</a:t>
-            </a:r>
-            <a:endParaRPr lang="he-IL" dirty="0"/>
-          </a:p>
-        </p:txBody>
-      </p:sp>
-      <p:pic>
-        <p:nvPicPr>
-          <p:cNvPr id="6" name="Picture 5" descr="A screenshot of a computer&#10;&#10;Description automatically generated">
-            <a:extLst>
-              <a:ext uri="{FF2B5EF4-FFF2-40B4-BE49-F238E27FC236}">
-                <a16:creationId xmlns:a16="http://schemas.microsoft.com/office/drawing/2014/main" id="{1821F159-324A-DECE-7462-DB82ED139072}"/>
-              </a:ext>
-            </a:extLst>
-          </p:cNvPr>
-          <p:cNvPicPr>
-            <a:picLocks noChangeAspect="1"/>
-          </p:cNvPicPr>
-          <p:nvPr/>
-        </p:nvPicPr>
-        <p:blipFill>
-          <a:blip r:embed="rId2">
-            <a:extLst>
-              <a:ext uri="{28A0092B-C50C-407E-A947-70E740481C1C}">
-                <a14:useLocalDpi xmlns:a14="http://schemas.microsoft.com/office/drawing/2010/main" val="0"/>
-              </a:ext>
-            </a:extLst>
-          </a:blip>
-          <a:stretch>
-            <a:fillRect/>
-          </a:stretch>
-        </p:blipFill>
-        <p:spPr>
-          <a:xfrm>
-            <a:off x="695324" y="1240096"/>
-            <a:ext cx="8326539" cy="5370254"/>
-          </a:xfrm>
-          <a:prstGeom prst="rect">
-            <a:avLst/>
-          </a:prstGeom>
-        </p:spPr>
-      </p:pic>
-    </p:spTree>
-    <p:extLst>
-      <p:ext uri="{BB962C8B-B14F-4D97-AF65-F5344CB8AC3E}">
-        <p14:creationId xmlns:p14="http://schemas.microsoft.com/office/powerpoint/2010/main" val="27786471"/>
-      </p:ext>
-    </p:extLst>
-  </p:cSld>
-  <p:clrMapOvr>
-    <a:masterClrMapping/>
-  </p:clrMapOvr>
-</p:sld>
-</file>
-
-<file path=ppt/slides/slide9.xml><?xml version="1.0" encoding="utf-8"?>
+<file path=ppt/slides/slide7.xml><?xml version="1.0" encoding="utf-8"?>
 <p:sld xmlns:a="http://schemas.openxmlformats.org/drawingml/2006/main" xmlns:r="http://schemas.openxmlformats.org/officeDocument/2006/relationships" xmlns:p="http://schemas.openxmlformats.org/presentationml/2006/main">
   <p:cSld>
     <p:bg>
@@ -10809,12 +11625,12 @@
           <a:chExt cx="0" cy="0"/>
         </a:xfrm>
       </p:grpSpPr>
-      <p:sp>
-        <p:nvSpPr>
-          <p:cNvPr id="24" name="Rectangle 23">
+      <p:sp useBgFill="1">
+        <p:nvSpPr>
+          <p:cNvPr id="10" name="Rectangle 9">
             <a:extLst>
               <a:ext uri="{FF2B5EF4-FFF2-40B4-BE49-F238E27FC236}">
-                <a16:creationId xmlns:a16="http://schemas.microsoft.com/office/drawing/2014/main" id="{6D48EA17-F2CF-2F98-FC06-DBB6A2AECB81}"/>
+                <a16:creationId xmlns:a16="http://schemas.microsoft.com/office/drawing/2014/main" id="{92CC1E4F-F1F0-B945-BE50-C72A7103E8AC}"/>
               </a:ext>
               <a:ext uri="{C183D7F6-B498-43B3-948B-1728B52AA6E4}">
                 <adec:decorative xmlns:adec="http://schemas.microsoft.com/office/drawing/2017/decorative" val="1"/>
@@ -10840,9 +11656,6 @@
           <a:prstGeom prst="rect">
             <a:avLst/>
           </a:prstGeom>
-          <a:solidFill>
-            <a:schemeClr val="bg1"/>
-          </a:solidFill>
           <a:ln w="12700" cap="flat" cmpd="sng" algn="ctr">
             <a:noFill/>
             <a:prstDash val="solid"/>
@@ -10883,46 +11696,263 @@
           <a:bodyPr rtlCol="0" anchor="ctr"/>
           <a:lstStyle/>
           <a:p>
-            <a:pPr marL="0" marR="0" lvl="0" indent="0" algn="ctr" defTabSz="914400" rtl="0" eaLnBrk="1" fontAlgn="auto" latinLnBrk="0" hangingPunct="1">
-              <a:lnSpc>
-                <a:spcPct val="100000"/>
-              </a:lnSpc>
-              <a:spcBef>
-                <a:spcPts val="0"/>
-              </a:spcBef>
-              <a:spcAft>
-                <a:spcPts val="0"/>
-              </a:spcAft>
-              <a:buClrTx/>
-              <a:buSzTx/>
-              <a:buFontTx/>
-              <a:buNone/>
-              <a:tabLst/>
-              <a:defRPr/>
-            </a:pPr>
-            <a:endParaRPr kumimoji="0" lang="en-US" sz="1800" b="0" i="0" u="none" strike="noStrike" kern="1200" cap="none" spc="0" normalizeH="0" baseline="0" noProof="0">
-              <a:ln>
-                <a:noFill/>
-              </a:ln>
-              <a:solidFill>
-                <a:prstClr val="white"/>
-              </a:solidFill>
-              <a:effectLst/>
-              <a:uLnTx/>
-              <a:uFillTx/>
-              <a:latin typeface="Neue Haas Grotesk Text Pro"/>
-              <a:ea typeface="+mn-ea"/>
-              <a:cs typeface="+mn-cs"/>
-            </a:endParaRPr>
+            <a:pPr algn="ctr"/>
+            <a:endParaRPr lang="en-US"/>
           </a:p>
         </p:txBody>
       </p:sp>
       <p:sp>
         <p:nvSpPr>
-          <p:cNvPr id="26" name="Rectangle 25">
+          <p:cNvPr id="2" name="Title 1">
             <a:extLst>
               <a:ext uri="{FF2B5EF4-FFF2-40B4-BE49-F238E27FC236}">
-                <a16:creationId xmlns:a16="http://schemas.microsoft.com/office/drawing/2014/main" id="{4D3D4267-6754-E656-C65D-257297D453DD}"/>
+                <a16:creationId xmlns:a16="http://schemas.microsoft.com/office/drawing/2014/main" id="{DF2752DE-F534-62E0-C26C-B7C7CEB98AEC}"/>
+              </a:ext>
+            </a:extLst>
+          </p:cNvPr>
+          <p:cNvSpPr>
+            <a:spLocks noGrp="1"/>
+          </p:cNvSpPr>
+          <p:nvPr>
+            <p:ph type="title"/>
+          </p:nvPr>
+        </p:nvSpPr>
+        <p:spPr>
+          <a:xfrm>
+            <a:off x="6856315" y="603504"/>
+            <a:ext cx="4361689" cy="1527048"/>
+          </a:xfrm>
+        </p:spPr>
+        <p:txBody>
+          <a:bodyPr vert="horz" lIns="91440" tIns="45720" rIns="91440" bIns="45720" rtlCol="0" anchor="b">
+            <a:normAutofit/>
+          </a:bodyPr>
+          <a:lstStyle/>
+          <a:p>
+            <a:r>
+              <a:rPr lang="en-US" b="1" kern="1200" dirty="0">
+                <a:solidFill>
+                  <a:schemeClr val="tx1"/>
+                </a:solidFill>
+                <a:latin typeface="+mj-lt"/>
+                <a:ea typeface="+mj-ea"/>
+                <a:cs typeface="+mj-cs"/>
+              </a:rPr>
+              <a:t>Data Sources</a:t>
+            </a:r>
+          </a:p>
+        </p:txBody>
+      </p:sp>
+      <p:sp>
+        <p:nvSpPr>
+          <p:cNvPr id="4" name="Content Placeholder 3">
+            <a:extLst>
+              <a:ext uri="{FF2B5EF4-FFF2-40B4-BE49-F238E27FC236}">
+                <a16:creationId xmlns:a16="http://schemas.microsoft.com/office/drawing/2014/main" id="{94BD19D9-77AB-B2A6-2E32-B78BC196967B}"/>
+              </a:ext>
+            </a:extLst>
+          </p:cNvPr>
+          <p:cNvSpPr>
+            <a:spLocks noGrp="1"/>
+          </p:cNvSpPr>
+          <p:nvPr>
+            <p:ph sz="half" idx="2"/>
+          </p:nvPr>
+        </p:nvSpPr>
+        <p:spPr>
+          <a:xfrm>
+            <a:off x="6856316" y="2212848"/>
+            <a:ext cx="4687983" cy="4096512"/>
+          </a:xfrm>
+        </p:spPr>
+        <p:txBody>
+          <a:bodyPr vert="horz" lIns="91440" tIns="45720" rIns="91440" bIns="45720" rtlCol="0">
+            <a:normAutofit/>
+          </a:bodyPr>
+          <a:lstStyle/>
+          <a:p>
+            <a:r>
+              <a:rPr lang="en-US" sz="1800" dirty="0"/>
+              <a:t>Live API – San Francisco open data</a:t>
+            </a:r>
+          </a:p>
+          <a:p>
+            <a:pPr lvl="1"/>
+            <a:r>
+              <a:rPr lang="en-US" sz="1600" dirty="0">
+                <a:solidFill>
+                  <a:schemeClr val="bg1">
+                    <a:lumMod val="75000"/>
+                  </a:schemeClr>
+                </a:solidFill>
+              </a:rPr>
+              <a:t>Calls</a:t>
+            </a:r>
+          </a:p>
+          <a:p>
+            <a:pPr lvl="1"/>
+            <a:r>
+              <a:rPr lang="en-US" sz="1600" b="1" dirty="0"/>
+              <a:t>Call types</a:t>
+            </a:r>
+          </a:p>
+          <a:p>
+            <a:pPr lvl="1"/>
+            <a:r>
+              <a:rPr lang="en-US" sz="1600" dirty="0">
+                <a:solidFill>
+                  <a:schemeClr val="bg1">
+                    <a:lumMod val="75000"/>
+                  </a:schemeClr>
+                </a:solidFill>
+              </a:rPr>
+              <a:t>Districts</a:t>
+            </a:r>
+          </a:p>
+          <a:p>
+            <a:pPr lvl="1"/>
+            <a:r>
+              <a:rPr lang="en-US" sz="1600" dirty="0">
+                <a:solidFill>
+                  <a:schemeClr val="bg1">
+                    <a:lumMod val="75000"/>
+                  </a:schemeClr>
+                </a:solidFill>
+              </a:rPr>
+              <a:t>Neighborhoods</a:t>
+            </a:r>
+          </a:p>
+          <a:p>
+            <a:r>
+              <a:rPr lang="en-US" sz="1800" dirty="0">
+                <a:solidFill>
+                  <a:schemeClr val="bg1">
+                    <a:lumMod val="75000"/>
+                  </a:schemeClr>
+                </a:solidFill>
+              </a:rPr>
+              <a:t>Static CSV data for enrichment</a:t>
+            </a:r>
+          </a:p>
+          <a:p>
+            <a:pPr lvl="1"/>
+            <a:r>
+              <a:rPr lang="en-US" sz="1600" dirty="0">
+                <a:solidFill>
+                  <a:schemeClr val="bg1">
+                    <a:lumMod val="75000"/>
+                  </a:schemeClr>
+                </a:solidFill>
+              </a:rPr>
+              <a:t>Calls disposition</a:t>
+            </a:r>
+          </a:p>
+          <a:p>
+            <a:pPr lvl="1"/>
+            <a:r>
+              <a:rPr lang="en-US" sz="1600" dirty="0">
+                <a:solidFill>
+                  <a:schemeClr val="bg1">
+                    <a:lumMod val="75000"/>
+                  </a:schemeClr>
+                </a:solidFill>
+              </a:rPr>
+              <a:t>Stats about neighborhoods (US Census)</a:t>
+            </a:r>
+          </a:p>
+        </p:txBody>
+      </p:sp>
+      <p:pic>
+        <p:nvPicPr>
+          <p:cNvPr id="5" name="Picture 4">
+            <a:extLst>
+              <a:ext uri="{FF2B5EF4-FFF2-40B4-BE49-F238E27FC236}">
+                <a16:creationId xmlns:a16="http://schemas.microsoft.com/office/drawing/2014/main" id="{54DB03BB-2371-FA71-E5BB-1DD10DD6C959}"/>
+              </a:ext>
+            </a:extLst>
+          </p:cNvPr>
+          <p:cNvPicPr>
+            <a:picLocks noChangeAspect="1"/>
+          </p:cNvPicPr>
+          <p:nvPr/>
+        </p:nvPicPr>
+        <p:blipFill>
+          <a:blip r:embed="rId3"/>
+          <a:stretch>
+            <a:fillRect/>
+          </a:stretch>
+        </p:blipFill>
+        <p:spPr>
+          <a:xfrm>
+            <a:off x="1346944" y="1814511"/>
+            <a:ext cx="4162425" cy="3228975"/>
+          </a:xfrm>
+          <a:prstGeom prst="rect">
+            <a:avLst/>
+          </a:prstGeom>
+          <a:ln>
+            <a:solidFill>
+              <a:schemeClr val="tx1"/>
+            </a:solidFill>
+          </a:ln>
+        </p:spPr>
+      </p:pic>
+    </p:spTree>
+    <p:extLst>
+      <p:ext uri="{BB962C8B-B14F-4D97-AF65-F5344CB8AC3E}">
+        <p14:creationId xmlns:p14="http://schemas.microsoft.com/office/powerpoint/2010/main" val="1450914862"/>
+      </p:ext>
+    </p:extLst>
+  </p:cSld>
+  <p:clrMapOvr>
+    <a:masterClrMapping/>
+  </p:clrMapOvr>
+  <mc:AlternateContent xmlns:mc="http://schemas.openxmlformats.org/markup-compatibility/2006">
+    <mc:Choice xmlns:p14="http://schemas.microsoft.com/office/powerpoint/2010/main" Requires="p14">
+      <p:transition spd="med" p14:dur="700">
+        <p:fade/>
+      </p:transition>
+    </mc:Choice>
+    <mc:Fallback>
+      <p:transition spd="med">
+        <p:fade/>
+      </p:transition>
+    </mc:Fallback>
+  </mc:AlternateContent>
+</p:sld>
+</file>
+
+<file path=ppt/slides/slide8.xml><?xml version="1.0" encoding="utf-8"?>
+<p:sld xmlns:a="http://schemas.openxmlformats.org/drawingml/2006/main" xmlns:r="http://schemas.openxmlformats.org/officeDocument/2006/relationships" xmlns:p="http://schemas.openxmlformats.org/presentationml/2006/main">
+  <p:cSld>
+    <p:bg>
+      <p:bgPr>
+        <a:solidFill>
+          <a:schemeClr val="bg1"/>
+        </a:solidFill>
+        <a:effectLst/>
+      </p:bgPr>
+    </p:bg>
+    <p:spTree>
+      <p:nvGrpSpPr>
+        <p:cNvPr id="1" name=""/>
+        <p:cNvGrpSpPr/>
+        <p:nvPr/>
+      </p:nvGrpSpPr>
+      <p:grpSpPr>
+        <a:xfrm>
+          <a:off x="0" y="0"/>
+          <a:ext cx="0" cy="0"/>
+          <a:chOff x="0" y="0"/>
+          <a:chExt cx="0" cy="0"/>
+        </a:xfrm>
+      </p:grpSpPr>
+      <p:sp useBgFill="1">
+        <p:nvSpPr>
+          <p:cNvPr id="10" name="Rectangle 9">
+            <a:extLst>
+              <a:ext uri="{FF2B5EF4-FFF2-40B4-BE49-F238E27FC236}">
+                <a16:creationId xmlns:a16="http://schemas.microsoft.com/office/drawing/2014/main" id="{92CC1E4F-F1F0-B945-BE50-C72A7103E8AC}"/>
               </a:ext>
               <a:ext uri="{C183D7F6-B498-43B3-948B-1728B52AA6E4}">
                 <adec:decorative xmlns:adec="http://schemas.microsoft.com/office/drawing/2017/decorative" val="1"/>
@@ -10948,20 +11978,30 @@
           <a:prstGeom prst="rect">
             <a:avLst/>
           </a:prstGeom>
-          <a:solidFill>
-            <a:schemeClr val="bg1"/>
-          </a:solidFill>
           <a:ln w="12700" cap="flat" cmpd="sng" algn="ctr">
             <a:noFill/>
             <a:prstDash val="solid"/>
             <a:miter lim="800000"/>
           </a:ln>
           <a:effectLst/>
+          <a:extLst>
+            <a:ext uri="{91240B29-F687-4F45-9708-019B960494DF}">
+              <a14:hiddenLine xmlns:a14="http://schemas.microsoft.com/office/drawing/2010/main" w="12700" cap="flat" cmpd="sng" algn="ctr">
+                <a:solidFill>
+                  <a:schemeClr val="accent1">
+                    <a:shade val="15000"/>
+                  </a:schemeClr>
+                </a:solidFill>
+                <a:prstDash val="solid"/>
+                <a:miter lim="800000"/>
+              </a14:hiddenLine>
+            </a:ext>
+          </a:extLst>
         </p:spPr>
         <p:style>
           <a:lnRef idx="2">
             <a:schemeClr val="accent1">
-              <a:shade val="50000"/>
+              <a:shade val="15000"/>
             </a:schemeClr>
           </a:lnRef>
           <a:fillRef idx="1">
@@ -10978,46 +12018,500 @@
           <a:bodyPr rtlCol="0" anchor="ctr"/>
           <a:lstStyle/>
           <a:p>
-            <a:pPr marL="0" marR="0" lvl="0" indent="0" algn="ctr" defTabSz="914400" rtl="0" eaLnBrk="1" fontAlgn="auto" latinLnBrk="0" hangingPunct="1">
-              <a:lnSpc>
-                <a:spcPct val="100000"/>
-              </a:lnSpc>
-              <a:spcBef>
-                <a:spcPts val="0"/>
-              </a:spcBef>
-              <a:spcAft>
-                <a:spcPts val="0"/>
-              </a:spcAft>
-              <a:buClrTx/>
-              <a:buSzTx/>
-              <a:buFontTx/>
-              <a:buNone/>
-              <a:tabLst/>
-              <a:defRPr/>
-            </a:pPr>
-            <a:endParaRPr kumimoji="0" lang="en-US" sz="1800" b="0" i="0" u="none" strike="noStrike" kern="1200" cap="none" spc="0" normalizeH="0" baseline="0" noProof="0">
-              <a:ln>
-                <a:noFill/>
-              </a:ln>
-              <a:solidFill>
-                <a:prstClr val="white"/>
-              </a:solidFill>
-              <a:effectLst/>
-              <a:uLnTx/>
-              <a:uFillTx/>
-              <a:latin typeface="Neue Haas Grotesk Text Pro"/>
-              <a:ea typeface="+mn-ea"/>
-              <a:cs typeface="+mn-cs"/>
-            </a:endParaRPr>
+            <a:pPr algn="ctr"/>
+            <a:endParaRPr lang="en-US"/>
+          </a:p>
+        </p:txBody>
+      </p:sp>
+      <p:sp>
+        <p:nvSpPr>
+          <p:cNvPr id="2" name="Title 1">
+            <a:extLst>
+              <a:ext uri="{FF2B5EF4-FFF2-40B4-BE49-F238E27FC236}">
+                <a16:creationId xmlns:a16="http://schemas.microsoft.com/office/drawing/2014/main" id="{DF2752DE-F534-62E0-C26C-B7C7CEB98AEC}"/>
+              </a:ext>
+            </a:extLst>
+          </p:cNvPr>
+          <p:cNvSpPr>
+            <a:spLocks noGrp="1"/>
+          </p:cNvSpPr>
+          <p:nvPr>
+            <p:ph type="title"/>
+          </p:nvPr>
+        </p:nvSpPr>
+        <p:spPr>
+          <a:xfrm>
+            <a:off x="6856315" y="603504"/>
+            <a:ext cx="4361689" cy="1527048"/>
+          </a:xfrm>
+        </p:spPr>
+        <p:txBody>
+          <a:bodyPr vert="horz" lIns="91440" tIns="45720" rIns="91440" bIns="45720" rtlCol="0" anchor="b">
+            <a:normAutofit/>
+          </a:bodyPr>
+          <a:lstStyle/>
+          <a:p>
+            <a:r>
+              <a:rPr lang="en-US" b="1" kern="1200" dirty="0">
+                <a:solidFill>
+                  <a:schemeClr val="tx1"/>
+                </a:solidFill>
+                <a:latin typeface="+mj-lt"/>
+                <a:ea typeface="+mj-ea"/>
+                <a:cs typeface="+mj-cs"/>
+              </a:rPr>
+              <a:t>Data Sources</a:t>
+            </a:r>
+          </a:p>
+        </p:txBody>
+      </p:sp>
+      <p:sp>
+        <p:nvSpPr>
+          <p:cNvPr id="4" name="Content Placeholder 3">
+            <a:extLst>
+              <a:ext uri="{FF2B5EF4-FFF2-40B4-BE49-F238E27FC236}">
+                <a16:creationId xmlns:a16="http://schemas.microsoft.com/office/drawing/2014/main" id="{94BD19D9-77AB-B2A6-2E32-B78BC196967B}"/>
+              </a:ext>
+            </a:extLst>
+          </p:cNvPr>
+          <p:cNvSpPr>
+            <a:spLocks noGrp="1"/>
+          </p:cNvSpPr>
+          <p:nvPr>
+            <p:ph sz="half" idx="2"/>
+          </p:nvPr>
+        </p:nvSpPr>
+        <p:spPr>
+          <a:xfrm>
+            <a:off x="6856316" y="2212848"/>
+            <a:ext cx="4687983" cy="4096512"/>
+          </a:xfrm>
+        </p:spPr>
+        <p:txBody>
+          <a:bodyPr vert="horz" lIns="91440" tIns="45720" rIns="91440" bIns="45720" rtlCol="0">
+            <a:normAutofit/>
+          </a:bodyPr>
+          <a:lstStyle/>
+          <a:p>
+            <a:r>
+              <a:rPr lang="en-US" sz="1800" dirty="0"/>
+              <a:t>Live API – San Francisco open data</a:t>
+            </a:r>
+          </a:p>
+          <a:p>
+            <a:pPr lvl="1"/>
+            <a:r>
+              <a:rPr lang="en-US" sz="1600" dirty="0">
+                <a:solidFill>
+                  <a:schemeClr val="bg1">
+                    <a:lumMod val="75000"/>
+                  </a:schemeClr>
+                </a:solidFill>
+              </a:rPr>
+              <a:t>Calls</a:t>
+            </a:r>
+          </a:p>
+          <a:p>
+            <a:pPr lvl="1"/>
+            <a:r>
+              <a:rPr lang="en-US" sz="1600" dirty="0">
+                <a:solidFill>
+                  <a:schemeClr val="bg1">
+                    <a:lumMod val="75000"/>
+                  </a:schemeClr>
+                </a:solidFill>
+              </a:rPr>
+              <a:t>Call types</a:t>
+            </a:r>
+          </a:p>
+          <a:p>
+            <a:pPr lvl="1"/>
+            <a:r>
+              <a:rPr lang="en-US" sz="1600" b="1" dirty="0"/>
+              <a:t>Districts</a:t>
+            </a:r>
+          </a:p>
+          <a:p>
+            <a:pPr lvl="1"/>
+            <a:r>
+              <a:rPr lang="en-US" sz="1600" dirty="0">
+                <a:solidFill>
+                  <a:schemeClr val="bg1">
+                    <a:lumMod val="75000"/>
+                  </a:schemeClr>
+                </a:solidFill>
+              </a:rPr>
+              <a:t>Neighborhoods</a:t>
+            </a:r>
+          </a:p>
+          <a:p>
+            <a:r>
+              <a:rPr lang="en-US" sz="1800" dirty="0">
+                <a:solidFill>
+                  <a:schemeClr val="bg1">
+                    <a:lumMod val="75000"/>
+                  </a:schemeClr>
+                </a:solidFill>
+              </a:rPr>
+              <a:t>Static CSV data for enrichment</a:t>
+            </a:r>
+          </a:p>
+          <a:p>
+            <a:pPr lvl="1"/>
+            <a:r>
+              <a:rPr lang="en-US" sz="1600" dirty="0">
+                <a:solidFill>
+                  <a:schemeClr val="bg1">
+                    <a:lumMod val="75000"/>
+                  </a:schemeClr>
+                </a:solidFill>
+              </a:rPr>
+              <a:t>Calls disposition</a:t>
+            </a:r>
+          </a:p>
+          <a:p>
+            <a:pPr lvl="1"/>
+            <a:r>
+              <a:rPr lang="en-US" sz="1600" dirty="0">
+                <a:solidFill>
+                  <a:schemeClr val="bg1">
+                    <a:lumMod val="75000"/>
+                  </a:schemeClr>
+                </a:solidFill>
+              </a:rPr>
+              <a:t>Stats about neighborhoods (US Census)</a:t>
+            </a:r>
           </a:p>
         </p:txBody>
       </p:sp>
       <p:pic>
         <p:nvPicPr>
-          <p:cNvPr id="16" name="Picture 15" descr="A computer on a desk&#10;&#10;Description automatically generated">
+          <p:cNvPr id="6" name="Picture 5">
             <a:extLst>
               <a:ext uri="{FF2B5EF4-FFF2-40B4-BE49-F238E27FC236}">
-                <a16:creationId xmlns:a16="http://schemas.microsoft.com/office/drawing/2014/main" id="{ECE9908D-A86A-41ED-9BCD-2F29666CC03A}"/>
+                <a16:creationId xmlns:a16="http://schemas.microsoft.com/office/drawing/2014/main" id="{EDE8176D-23E8-77CD-5118-AAA2A3908AC2}"/>
+              </a:ext>
+            </a:extLst>
+          </p:cNvPr>
+          <p:cNvPicPr>
+            <a:picLocks noChangeAspect="1"/>
+          </p:cNvPicPr>
+          <p:nvPr/>
+        </p:nvPicPr>
+        <p:blipFill>
+          <a:blip r:embed="rId3"/>
+          <a:stretch>
+            <a:fillRect/>
+          </a:stretch>
+        </p:blipFill>
+        <p:spPr>
+          <a:xfrm>
+            <a:off x="1566019" y="752474"/>
+            <a:ext cx="3724275" cy="5353050"/>
+          </a:xfrm>
+          <a:prstGeom prst="rect">
+            <a:avLst/>
+          </a:prstGeom>
+          <a:ln>
+            <a:solidFill>
+              <a:schemeClr val="tx1"/>
+            </a:solidFill>
+          </a:ln>
+        </p:spPr>
+      </p:pic>
+    </p:spTree>
+    <p:extLst>
+      <p:ext uri="{BB962C8B-B14F-4D97-AF65-F5344CB8AC3E}">
+        <p14:creationId xmlns:p14="http://schemas.microsoft.com/office/powerpoint/2010/main" val="1850388836"/>
+      </p:ext>
+    </p:extLst>
+  </p:cSld>
+  <p:clrMapOvr>
+    <a:masterClrMapping/>
+  </p:clrMapOvr>
+  <mc:AlternateContent xmlns:mc="http://schemas.openxmlformats.org/markup-compatibility/2006">
+    <mc:Choice xmlns:p14="http://schemas.microsoft.com/office/powerpoint/2010/main" Requires="p14">
+      <p:transition spd="med" p14:dur="700">
+        <p:fade/>
+      </p:transition>
+    </mc:Choice>
+    <mc:Fallback>
+      <p:transition spd="med">
+        <p:fade/>
+      </p:transition>
+    </mc:Fallback>
+  </mc:AlternateContent>
+</p:sld>
+</file>
+
+<file path=ppt/slides/slide9.xml><?xml version="1.0" encoding="utf-8"?>
+<p:sld xmlns:a="http://schemas.openxmlformats.org/drawingml/2006/main" xmlns:r="http://schemas.openxmlformats.org/officeDocument/2006/relationships" xmlns:p="http://schemas.openxmlformats.org/presentationml/2006/main">
+  <p:cSld>
+    <p:bg>
+      <p:bgPr>
+        <a:solidFill>
+          <a:schemeClr val="bg1"/>
+        </a:solidFill>
+        <a:effectLst/>
+      </p:bgPr>
+    </p:bg>
+    <p:spTree>
+      <p:nvGrpSpPr>
+        <p:cNvPr id="1" name=""/>
+        <p:cNvGrpSpPr/>
+        <p:nvPr/>
+      </p:nvGrpSpPr>
+      <p:grpSpPr>
+        <a:xfrm>
+          <a:off x="0" y="0"/>
+          <a:ext cx="0" cy="0"/>
+          <a:chOff x="0" y="0"/>
+          <a:chExt cx="0" cy="0"/>
+        </a:xfrm>
+      </p:grpSpPr>
+      <p:sp useBgFill="1">
+        <p:nvSpPr>
+          <p:cNvPr id="10" name="Rectangle 9">
+            <a:extLst>
+              <a:ext uri="{FF2B5EF4-FFF2-40B4-BE49-F238E27FC236}">
+                <a16:creationId xmlns:a16="http://schemas.microsoft.com/office/drawing/2014/main" id="{92CC1E4F-F1F0-B945-BE50-C72A7103E8AC}"/>
+              </a:ext>
+              <a:ext uri="{C183D7F6-B498-43B3-948B-1728B52AA6E4}">
+                <adec:decorative xmlns:adec="http://schemas.microsoft.com/office/drawing/2017/decorative" val="1"/>
+              </a:ext>
+            </a:extLst>
+          </p:cNvPr>
+          <p:cNvSpPr>
+            <a:spLocks noGrp="1" noRot="1" noChangeAspect="1" noMove="1" noResize="1" noEditPoints="1" noAdjustHandles="1" noChangeArrowheads="1" noChangeShapeType="1" noTextEdit="1"/>
+          </p:cNvSpPr>
+          <p:nvPr>
+            <p:extLst>
+              <p:ext uri="{386F3935-93C4-4BCD-93E2-E3B085C9AB24}">
+                <p16:designElem xmlns:p16="http://schemas.microsoft.com/office/powerpoint/2015/main" val="1"/>
+              </p:ext>
+            </p:extLst>
+          </p:nvPr>
+        </p:nvSpPr>
+        <p:spPr>
+          <a:xfrm>
+            <a:off x="0" y="0"/>
+            <a:ext cx="12192000" cy="6858000"/>
+          </a:xfrm>
+          <a:prstGeom prst="rect">
+            <a:avLst/>
+          </a:prstGeom>
+          <a:ln w="12700" cap="flat" cmpd="sng" algn="ctr">
+            <a:noFill/>
+            <a:prstDash val="solid"/>
+            <a:miter lim="800000"/>
+          </a:ln>
+          <a:effectLst/>
+          <a:extLst>
+            <a:ext uri="{91240B29-F687-4F45-9708-019B960494DF}">
+              <a14:hiddenLine xmlns:a14="http://schemas.microsoft.com/office/drawing/2010/main" w="12700" cap="flat" cmpd="sng" algn="ctr">
+                <a:solidFill>
+                  <a:schemeClr val="accent1">
+                    <a:shade val="15000"/>
+                  </a:schemeClr>
+                </a:solidFill>
+                <a:prstDash val="solid"/>
+                <a:miter lim="800000"/>
+              </a14:hiddenLine>
+            </a:ext>
+          </a:extLst>
+        </p:spPr>
+        <p:style>
+          <a:lnRef idx="2">
+            <a:schemeClr val="accent1">
+              <a:shade val="15000"/>
+            </a:schemeClr>
+          </a:lnRef>
+          <a:fillRef idx="1">
+            <a:schemeClr val="accent1"/>
+          </a:fillRef>
+          <a:effectRef idx="0">
+            <a:schemeClr val="accent1"/>
+          </a:effectRef>
+          <a:fontRef idx="minor">
+            <a:schemeClr val="lt1"/>
+          </a:fontRef>
+        </p:style>
+        <p:txBody>
+          <a:bodyPr rtlCol="0" anchor="ctr"/>
+          <a:lstStyle/>
+          <a:p>
+            <a:pPr algn="ctr"/>
+            <a:endParaRPr lang="en-US"/>
+          </a:p>
+        </p:txBody>
+      </p:sp>
+      <p:sp>
+        <p:nvSpPr>
+          <p:cNvPr id="2" name="Title 1">
+            <a:extLst>
+              <a:ext uri="{FF2B5EF4-FFF2-40B4-BE49-F238E27FC236}">
+                <a16:creationId xmlns:a16="http://schemas.microsoft.com/office/drawing/2014/main" id="{DF2752DE-F534-62E0-C26C-B7C7CEB98AEC}"/>
+              </a:ext>
+            </a:extLst>
+          </p:cNvPr>
+          <p:cNvSpPr>
+            <a:spLocks noGrp="1"/>
+          </p:cNvSpPr>
+          <p:nvPr>
+            <p:ph type="title"/>
+          </p:nvPr>
+        </p:nvSpPr>
+        <p:spPr>
+          <a:xfrm>
+            <a:off x="6856315" y="603504"/>
+            <a:ext cx="4361689" cy="1527048"/>
+          </a:xfrm>
+        </p:spPr>
+        <p:txBody>
+          <a:bodyPr vert="horz" lIns="91440" tIns="45720" rIns="91440" bIns="45720" rtlCol="0" anchor="b">
+            <a:normAutofit/>
+          </a:bodyPr>
+          <a:lstStyle/>
+          <a:p>
+            <a:r>
+              <a:rPr lang="en-US" b="1" kern="1200" dirty="0">
+                <a:solidFill>
+                  <a:schemeClr val="tx1"/>
+                </a:solidFill>
+                <a:latin typeface="+mj-lt"/>
+                <a:ea typeface="+mj-ea"/>
+                <a:cs typeface="+mj-cs"/>
+              </a:rPr>
+              <a:t>Data Sources</a:t>
+            </a:r>
+          </a:p>
+        </p:txBody>
+      </p:sp>
+      <p:sp>
+        <p:nvSpPr>
+          <p:cNvPr id="4" name="Content Placeholder 3">
+            <a:extLst>
+              <a:ext uri="{FF2B5EF4-FFF2-40B4-BE49-F238E27FC236}">
+                <a16:creationId xmlns:a16="http://schemas.microsoft.com/office/drawing/2014/main" id="{94BD19D9-77AB-B2A6-2E32-B78BC196967B}"/>
+              </a:ext>
+            </a:extLst>
+          </p:cNvPr>
+          <p:cNvSpPr>
+            <a:spLocks noGrp="1"/>
+          </p:cNvSpPr>
+          <p:nvPr>
+            <p:ph sz="half" idx="2"/>
+          </p:nvPr>
+        </p:nvSpPr>
+        <p:spPr>
+          <a:xfrm>
+            <a:off x="6856316" y="2212848"/>
+            <a:ext cx="4687983" cy="4096512"/>
+          </a:xfrm>
+        </p:spPr>
+        <p:txBody>
+          <a:bodyPr vert="horz" lIns="91440" tIns="45720" rIns="91440" bIns="45720" rtlCol="0">
+            <a:normAutofit/>
+          </a:bodyPr>
+          <a:lstStyle/>
+          <a:p>
+            <a:r>
+              <a:rPr lang="en-US" sz="1800" dirty="0"/>
+              <a:t>Live API – San Francisco open data</a:t>
+            </a:r>
+          </a:p>
+          <a:p>
+            <a:pPr lvl="1"/>
+            <a:r>
+              <a:rPr lang="en-US" sz="1600" dirty="0">
+                <a:solidFill>
+                  <a:schemeClr val="bg1">
+                    <a:lumMod val="75000"/>
+                  </a:schemeClr>
+                </a:solidFill>
+              </a:rPr>
+              <a:t>Calls</a:t>
+            </a:r>
+          </a:p>
+          <a:p>
+            <a:pPr lvl="1"/>
+            <a:r>
+              <a:rPr lang="en-US" sz="1600" dirty="0">
+                <a:solidFill>
+                  <a:schemeClr val="bg1">
+                    <a:lumMod val="75000"/>
+                  </a:schemeClr>
+                </a:solidFill>
+              </a:rPr>
+              <a:t>Call types</a:t>
+            </a:r>
+          </a:p>
+          <a:p>
+            <a:pPr lvl="1"/>
+            <a:r>
+              <a:rPr lang="en-US" sz="1600" dirty="0">
+                <a:solidFill>
+                  <a:schemeClr val="bg1">
+                    <a:lumMod val="75000"/>
+                  </a:schemeClr>
+                </a:solidFill>
+              </a:rPr>
+              <a:t>Districts</a:t>
+            </a:r>
+          </a:p>
+          <a:p>
+            <a:pPr lvl="1"/>
+            <a:r>
+              <a:rPr lang="en-US" sz="1600" b="1" dirty="0"/>
+              <a:t>Neighborhoods</a:t>
+            </a:r>
+          </a:p>
+          <a:p>
+            <a:r>
+              <a:rPr lang="en-US" sz="1800" dirty="0">
+                <a:solidFill>
+                  <a:schemeClr val="bg1">
+                    <a:lumMod val="75000"/>
+                  </a:schemeClr>
+                </a:solidFill>
+              </a:rPr>
+              <a:t>Static CSV data for enrichment</a:t>
+            </a:r>
+          </a:p>
+          <a:p>
+            <a:pPr lvl="1"/>
+            <a:r>
+              <a:rPr lang="en-US" sz="1600" dirty="0">
+                <a:solidFill>
+                  <a:schemeClr val="bg1">
+                    <a:lumMod val="75000"/>
+                  </a:schemeClr>
+                </a:solidFill>
+              </a:rPr>
+              <a:t>Calls disposition</a:t>
+            </a:r>
+          </a:p>
+          <a:p>
+            <a:pPr lvl="1"/>
+            <a:r>
+              <a:rPr lang="en-US" sz="1600" dirty="0">
+                <a:solidFill>
+                  <a:schemeClr val="bg1">
+                    <a:lumMod val="75000"/>
+                  </a:schemeClr>
+                </a:solidFill>
+              </a:rPr>
+              <a:t>Stats about neighborhoods (US Census)</a:t>
+            </a:r>
+          </a:p>
+        </p:txBody>
+      </p:sp>
+      <p:pic>
+        <p:nvPicPr>
+          <p:cNvPr id="5" name="Picture 4">
+            <a:extLst>
+              <a:ext uri="{FF2B5EF4-FFF2-40B4-BE49-F238E27FC236}">
+                <a16:creationId xmlns:a16="http://schemas.microsoft.com/office/drawing/2014/main" id="{6DE3E768-01A0-D993-7908-48FD59F6F9FC}"/>
               </a:ext>
             </a:extLst>
           </p:cNvPr>
@@ -11027,36 +12521,47 @@
           <p:nvPr/>
         </p:nvPicPr>
         <p:blipFill rotWithShape="1">
-          <a:blip r:embed="rId3">
-            <a:extLst>
-              <a:ext uri="{28A0092B-C50C-407E-A947-70E740481C1C}">
-                <a14:useLocalDpi xmlns:a14="http://schemas.microsoft.com/office/drawing/2010/main" val="0"/>
-              </a:ext>
-            </a:extLst>
-          </a:blip>
-          <a:srcRect t="1819" r="2" b="2"/>
+          <a:blip r:embed="rId3"/>
+          <a:srcRect l="4022" r="3898"/>
           <a:stretch/>
         </p:blipFill>
         <p:spPr>
           <a:xfrm>
-            <a:off x="133896" y="136321"/>
-            <a:ext cx="11924208" cy="6585358"/>
+            <a:off x="308719" y="2441654"/>
+            <a:ext cx="6429723" cy="2035096"/>
           </a:xfrm>
           <a:prstGeom prst="rect">
             <a:avLst/>
           </a:prstGeom>
+          <a:ln>
+            <a:solidFill>
+              <a:schemeClr val="tx1"/>
+            </a:solidFill>
+          </a:ln>
         </p:spPr>
       </p:pic>
     </p:spTree>
     <p:extLst>
       <p:ext uri="{BB962C8B-B14F-4D97-AF65-F5344CB8AC3E}">
-        <p14:creationId xmlns:p14="http://schemas.microsoft.com/office/powerpoint/2010/main" val="3405173496"/>
+        <p14:creationId xmlns:p14="http://schemas.microsoft.com/office/powerpoint/2010/main" val="125366752"/>
       </p:ext>
     </p:extLst>
   </p:cSld>
   <p:clrMapOvr>
     <a:masterClrMapping/>
   </p:clrMapOvr>
+  <mc:AlternateContent xmlns:mc="http://schemas.openxmlformats.org/markup-compatibility/2006">
+    <mc:Choice xmlns:p14="http://schemas.microsoft.com/office/powerpoint/2010/main" Requires="p14">
+      <p:transition spd="med" p14:dur="700">
+        <p:fade/>
+      </p:transition>
+    </mc:Choice>
+    <mc:Fallback>
+      <p:transition spd="med">
+        <p:fade/>
+      </p:transition>
+    </mc:Fallback>
+  </mc:AlternateContent>
 </p:sld>
 </file>
 
